--- a/CNPM.pptx
+++ b/CNPM.pptx
@@ -10,6 +10,10 @@
     <p:sldId id="258" r:id="rId4"/>
     <p:sldId id="259" r:id="rId5"/>
     <p:sldId id="260" r:id="rId6"/>
+    <p:sldId id="261" r:id="rId7"/>
+    <p:sldId id="264" r:id="rId8"/>
+    <p:sldId id="262" r:id="rId9"/>
+    <p:sldId id="263" r:id="rId10"/>
   </p:sldIdLst>
   <p:sldSz cx="12192000" cy="6858000"/>
   <p:notesSz cx="6858000" cy="9144000"/>
@@ -108,7 +112,38 @@
       </a:defRPr>
     </a:lvl9pPr>
   </p:defaultTextStyle>
+  <p:extLst>
+    <p:ext uri="{EFAFB233-063F-42B5-8137-9DF3F51BA10A}">
+      <p15:sldGuideLst xmlns:p15="http://schemas.microsoft.com/office/powerpoint/2012/main"/>
+    </p:ext>
+  </p:extLst>
 </p:presentation>
+</file>
+
+<file path=ppt/commentAuthors.xml><?xml version="1.0" encoding="utf-8"?>
+<p:cmAuthorLst xmlns:a="http://schemas.openxmlformats.org/drawingml/2006/main" xmlns:r="http://schemas.openxmlformats.org/officeDocument/2006/relationships" xmlns:p="http://schemas.openxmlformats.org/presentationml/2006/main">
+  <p:cmAuthor id="1" name="TO PO" initials="TP" lastIdx="1" clrIdx="0">
+    <p:extLst>
+      <p:ext uri="{19B8F6BF-5375-455C-9EA6-DF929625EA0E}">
+        <p15:presenceInfo xmlns:p15="http://schemas.microsoft.com/office/powerpoint/2012/main" userId="8ebd8d60aaf53a1e" providerId="Windows Live"/>
+      </p:ext>
+    </p:extLst>
+  </p:cmAuthor>
+</p:cmAuthorLst>
+</file>
+
+<file path=ppt/comments/comment1.xml><?xml version="1.0" encoding="utf-8"?>
+<p:cmLst xmlns:a="http://schemas.openxmlformats.org/drawingml/2006/main" xmlns:r="http://schemas.openxmlformats.org/officeDocument/2006/relationships" xmlns:p="http://schemas.openxmlformats.org/presentationml/2006/main">
+  <p:cm authorId="1" dt="2019-04-06T22:46:10.574" idx="1">
+    <p:pos x="10" y="10"/>
+    <p:text/>
+    <p:extLst>
+      <p:ext uri="{C676402C-5697-4E1C-873F-D02D1690AC5C}">
+        <p15:threadingInfo xmlns:p15="http://schemas.microsoft.com/office/powerpoint/2012/main" timeZoneBias="-420"/>
+      </p:ext>
+    </p:extLst>
+  </p:cm>
+</p:cmLst>
 </file>
 
 <file path=ppt/slideLayouts/slideLayout1.xml><?xml version="1.0" encoding="utf-8"?>
@@ -282,7 +317,7 @@
           <a:p>
             <a:fld id="{48A87A34-81AB-432B-8DAE-1953F412C126}" type="datetimeFigureOut">
               <a:rPr lang="en-US" dirty="0"/>
-              <a:t>4/5/2019</a:t>
+              <a:t>4/6/2019</a:t>
             </a:fld>
             <a:endParaRPr lang="en-US" dirty="0"/>
           </a:p>
@@ -592,7 +627,7 @@
           <a:p>
             <a:fld id="{48A87A34-81AB-432B-8DAE-1953F412C126}" type="datetimeFigureOut">
               <a:rPr lang="en-US" dirty="0"/>
-              <a:t>4/5/2019</a:t>
+              <a:t>4/6/2019</a:t>
             </a:fld>
             <a:endParaRPr lang="en-US" dirty="0"/>
           </a:p>
@@ -809,7 +844,7 @@
           <a:p>
             <a:fld id="{48A87A34-81AB-432B-8DAE-1953F412C126}" type="datetimeFigureOut">
               <a:rPr lang="en-US" dirty="0"/>
-              <a:t>4/5/2019</a:t>
+              <a:t>4/6/2019</a:t>
             </a:fld>
             <a:endParaRPr lang="en-US" dirty="0"/>
           </a:p>
@@ -1095,7 +1130,7 @@
           <a:p>
             <a:fld id="{48A87A34-81AB-432B-8DAE-1953F412C126}" type="datetimeFigureOut">
               <a:rPr lang="en-US" dirty="0"/>
-              <a:t>4/5/2019</a:t>
+              <a:t>4/6/2019</a:t>
             </a:fld>
             <a:endParaRPr lang="en-US" dirty="0"/>
           </a:p>
@@ -1544,7 +1579,7 @@
           <a:p>
             <a:fld id="{48A87A34-81AB-432B-8DAE-1953F412C126}" type="datetimeFigureOut">
               <a:rPr lang="en-US" dirty="0"/>
-              <a:t>4/5/2019</a:t>
+              <a:t>4/6/2019</a:t>
             </a:fld>
             <a:endParaRPr lang="en-US" dirty="0"/>
           </a:p>
@@ -2115,7 +2150,7 @@
           <a:p>
             <a:fld id="{48A87A34-81AB-432B-8DAE-1953F412C126}" type="datetimeFigureOut">
               <a:rPr lang="en-US" dirty="0"/>
-              <a:t>4/5/2019</a:t>
+              <a:t>4/6/2019</a:t>
             </a:fld>
             <a:endParaRPr lang="en-US" dirty="0"/>
           </a:p>
@@ -2971,7 +3006,7 @@
           <a:p>
             <a:fld id="{48A87A34-81AB-432B-8DAE-1953F412C126}" type="datetimeFigureOut">
               <a:rPr lang="en-US" dirty="0"/>
-              <a:t>4/5/2019</a:t>
+              <a:t>4/6/2019</a:t>
             </a:fld>
             <a:endParaRPr lang="en-US" dirty="0"/>
           </a:p>
@@ -3171,7 +3206,7 @@
           <a:p>
             <a:fld id="{48A87A34-81AB-432B-8DAE-1953F412C126}" type="datetimeFigureOut">
               <a:rPr lang="en-US" dirty="0"/>
-              <a:t>4/5/2019</a:t>
+              <a:t>4/6/2019</a:t>
             </a:fld>
             <a:endParaRPr lang="en-US" dirty="0"/>
           </a:p>
@@ -3380,7 +3415,7 @@
           <a:p>
             <a:fld id="{48A87A34-81AB-432B-8DAE-1953F412C126}" type="datetimeFigureOut">
               <a:rPr lang="en-US" dirty="0"/>
-              <a:t>4/5/2019</a:t>
+              <a:t>4/6/2019</a:t>
             </a:fld>
             <a:endParaRPr lang="en-US" dirty="0"/>
           </a:p>
@@ -3580,7 +3615,7 @@
           <a:p>
             <a:fld id="{48A87A34-81AB-432B-8DAE-1953F412C126}" type="datetimeFigureOut">
               <a:rPr lang="en-US" dirty="0"/>
-              <a:t>4/5/2019</a:t>
+              <a:t>4/6/2019</a:t>
             </a:fld>
             <a:endParaRPr lang="en-US" dirty="0"/>
           </a:p>
@@ -3855,7 +3890,7 @@
           <a:p>
             <a:fld id="{48A87A34-81AB-432B-8DAE-1953F412C126}" type="datetimeFigureOut">
               <a:rPr lang="en-US" dirty="0"/>
-              <a:t>4/5/2019</a:t>
+              <a:t>4/6/2019</a:t>
             </a:fld>
             <a:endParaRPr lang="en-US" dirty="0"/>
           </a:p>
@@ -4117,7 +4152,7 @@
           <a:p>
             <a:fld id="{48A87A34-81AB-432B-8DAE-1953F412C126}" type="datetimeFigureOut">
               <a:rPr lang="en-US" dirty="0"/>
-              <a:t>4/5/2019</a:t>
+              <a:t>4/6/2019</a:t>
             </a:fld>
             <a:endParaRPr lang="en-US" dirty="0"/>
           </a:p>
@@ -4527,7 +4562,7 @@
           <a:p>
             <a:fld id="{48A87A34-81AB-432B-8DAE-1953F412C126}" type="datetimeFigureOut">
               <a:rPr lang="en-US" dirty="0"/>
-              <a:t>4/5/2019</a:t>
+              <a:t>4/6/2019</a:t>
             </a:fld>
             <a:endParaRPr lang="en-US" dirty="0"/>
           </a:p>
@@ -4670,7 +4705,7 @@
           <a:p>
             <a:fld id="{48A87A34-81AB-432B-8DAE-1953F412C126}" type="datetimeFigureOut">
               <a:rPr lang="en-US" dirty="0"/>
-              <a:t>4/5/2019</a:t>
+              <a:t>4/6/2019</a:t>
             </a:fld>
             <a:endParaRPr lang="en-US" dirty="0"/>
           </a:p>
@@ -4790,7 +4825,7 @@
           <a:p>
             <a:fld id="{48A87A34-81AB-432B-8DAE-1953F412C126}" type="datetimeFigureOut">
               <a:rPr lang="en-US" dirty="0"/>
-              <a:t>4/5/2019</a:t>
+              <a:t>4/6/2019</a:t>
             </a:fld>
             <a:endParaRPr lang="en-US" dirty="0"/>
           </a:p>
@@ -5064,7 +5099,7 @@
           <a:p>
             <a:fld id="{48A87A34-81AB-432B-8DAE-1953F412C126}" type="datetimeFigureOut">
               <a:rPr lang="en-US" dirty="0"/>
-              <a:t>4/5/2019</a:t>
+              <a:t>4/6/2019</a:t>
             </a:fld>
             <a:endParaRPr lang="en-US" dirty="0"/>
           </a:p>
@@ -5374,7 +5409,7 @@
           <a:p>
             <a:fld id="{48A87A34-81AB-432B-8DAE-1953F412C126}" type="datetimeFigureOut">
               <a:rPr lang="en-US" dirty="0"/>
-              <a:t>4/5/2019</a:t>
+              <a:t>4/6/2019</a:t>
             </a:fld>
             <a:endParaRPr lang="en-US" dirty="0"/>
           </a:p>
@@ -5623,7 +5658,7 @@
             <a:fld id="{48A87A34-81AB-432B-8DAE-1953F412C126}" type="datetimeFigureOut">
               <a:rPr lang="en-US" dirty="0"/>
               <a:pPr/>
-              <a:t>4/5/2019</a:t>
+              <a:t>4/6/2019</a:t>
             </a:fld>
             <a:endParaRPr lang="en-US" dirty="0"/>
           </a:p>
@@ -6627,8 +6662,8 @@
         </p:nvSpPr>
         <p:spPr>
           <a:xfrm>
-            <a:off x="913774" y="1943100"/>
-            <a:ext cx="10268576" cy="4498286"/>
+            <a:off x="913774" y="1898073"/>
+            <a:ext cx="10268576" cy="4613563"/>
           </a:xfrm>
         </p:spPr>
         <p:txBody>
@@ -8713,7 +8748,21 @@
                 <a:latin typeface="Segoe UI" panose="020B0502040204020203" pitchFamily="34" charset="0"/>
                 <a:cs typeface="Segoe UI" panose="020B0502040204020203" pitchFamily="34" charset="0"/>
               </a:rPr>
-              <a:t>I. CÁC B</a:t>
+              <a:t>I</a:t>
+            </a:r>
+            <a:r>
+              <a:rPr lang="vi-VN" sz="3000" u="sng" dirty="0">
+                <a:latin typeface="Segoe UI" panose="020B0502040204020203" pitchFamily="34" charset="0"/>
+                <a:cs typeface="Segoe UI" panose="020B0502040204020203" pitchFamily="34" charset="0"/>
+              </a:rPr>
+              <a:t>I</a:t>
+            </a:r>
+            <a:r>
+              <a:rPr lang="en-US" sz="3000" u="sng" dirty="0">
+                <a:latin typeface="Segoe UI" panose="020B0502040204020203" pitchFamily="34" charset="0"/>
+                <a:cs typeface="Segoe UI" panose="020B0502040204020203" pitchFamily="34" charset="0"/>
+              </a:rPr>
+              <a:t>. CÁC B</a:t>
             </a:r>
             <a:r>
               <a:rPr lang="vi-VN" sz="3000" u="sng" dirty="0">
@@ -8947,7 +8996,21 @@
                 <a:latin typeface="Segoe UI" panose="020B0502040204020203" pitchFamily="34" charset="0"/>
                 <a:cs typeface="Segoe UI" panose="020B0502040204020203" pitchFamily="34" charset="0"/>
               </a:rPr>
-              <a:t>I.1. VẼ ĐỒ THỊ DÒNG ĐIỀU KHIỂN</a:t>
+              <a:t>I</a:t>
+            </a:r>
+            <a:r>
+              <a:rPr lang="vi-VN" sz="3000" u="sng" dirty="0">
+                <a:latin typeface="Segoe UI" panose="020B0502040204020203" pitchFamily="34" charset="0"/>
+                <a:cs typeface="Segoe UI" panose="020B0502040204020203" pitchFamily="34" charset="0"/>
+              </a:rPr>
+              <a:t>I</a:t>
+            </a:r>
+            <a:r>
+              <a:rPr lang="en-US" sz="3000" u="sng" dirty="0">
+                <a:latin typeface="Segoe UI" panose="020B0502040204020203" pitchFamily="34" charset="0"/>
+                <a:cs typeface="Segoe UI" panose="020B0502040204020203" pitchFamily="34" charset="0"/>
+              </a:rPr>
+              <a:t>.1. VẼ ĐỒ THỊ DÒNG ĐIỀU KHIỂN</a:t>
             </a:r>
           </a:p>
         </p:txBody>
@@ -9531,7 +9594,27 @@
                 <a:latin typeface="Times New Roman" panose="02020603050405020304" pitchFamily="18" charset="0"/>
                 <a:cs typeface="Times New Roman" panose="02020603050405020304" pitchFamily="18" charset="0"/>
               </a:rPr>
-              <a:t>if – then -else</a:t>
+              <a:t>if </a:t>
+            </a:r>
+            <a:r>
+              <a:rPr lang="vi-VN" sz="2400" dirty="0">
+                <a:solidFill>
+                  <a:schemeClr val="tx1"/>
+                </a:solidFill>
+                <a:latin typeface="Times New Roman" panose="02020603050405020304" pitchFamily="18" charset="0"/>
+                <a:cs typeface="Times New Roman" panose="02020603050405020304" pitchFamily="18" charset="0"/>
+              </a:rPr>
+              <a:t>-</a:t>
+            </a:r>
+            <a:r>
+              <a:rPr lang="en-US" sz="2400" dirty="0">
+                <a:solidFill>
+                  <a:schemeClr val="tx1"/>
+                </a:solidFill>
+                <a:latin typeface="Times New Roman" panose="02020603050405020304" pitchFamily="18" charset="0"/>
+                <a:cs typeface="Times New Roman" panose="02020603050405020304" pitchFamily="18" charset="0"/>
+              </a:rPr>
+              <a:t> then -else</a:t>
             </a:r>
           </a:p>
         </p:txBody>
@@ -9837,7 +9920,7 @@
         </p:nvSpPr>
         <p:spPr>
           <a:xfrm>
-            <a:off x="3302254" y="5722276"/>
+            <a:off x="3340584" y="5722276"/>
             <a:ext cx="1554953" cy="440588"/>
           </a:xfrm>
           <a:prstGeom prst="rect">
@@ -9891,8 +9974,8 @@
         </p:nvSpPr>
         <p:spPr>
           <a:xfrm>
-            <a:off x="1417468" y="5722276"/>
-            <a:ext cx="1554953" cy="440588"/>
+            <a:off x="1562190" y="5694916"/>
+            <a:ext cx="1284168" cy="440588"/>
           </a:xfrm>
           <a:prstGeom prst="rect">
             <a:avLst/>
@@ -9918,6 +10001,36 @@
           <a:lstStyle/>
           <a:p>
             <a:pPr algn="ctr"/>
+            <a:r>
+              <a:rPr lang="vi-VN" sz="2400" dirty="0" err="1">
+                <a:solidFill>
+                  <a:schemeClr val="tx1"/>
+                </a:solidFill>
+                <a:latin typeface="Times New Roman" panose="02020603050405020304" pitchFamily="18" charset="0"/>
+                <a:cs typeface="Times New Roman" panose="02020603050405020304" pitchFamily="18" charset="0"/>
+              </a:rPr>
+              <a:t>Tuần</a:t>
+            </a:r>
+            <a:r>
+              <a:rPr lang="vi-VN" sz="2400" dirty="0">
+                <a:solidFill>
+                  <a:schemeClr val="tx1"/>
+                </a:solidFill>
+                <a:latin typeface="Times New Roman" panose="02020603050405020304" pitchFamily="18" charset="0"/>
+                <a:cs typeface="Times New Roman" panose="02020603050405020304" pitchFamily="18" charset="0"/>
+              </a:rPr>
+              <a:t> </a:t>
+            </a:r>
+            <a:r>
+              <a:rPr lang="vi-VN" sz="2400" dirty="0" err="1">
+                <a:solidFill>
+                  <a:schemeClr val="tx1"/>
+                </a:solidFill>
+                <a:latin typeface="Times New Roman" panose="02020603050405020304" pitchFamily="18" charset="0"/>
+                <a:cs typeface="Times New Roman" panose="02020603050405020304" pitchFamily="18" charset="0"/>
+              </a:rPr>
+              <a:t>tự</a:t>
+            </a:r>
             <a:endParaRPr lang="en-US" sz="2400" dirty="0">
               <a:solidFill>
                 <a:schemeClr val="tx1"/>
@@ -9942,7 +10055,7 @@
         </p:nvGrpSpPr>
         <p:grpSpPr>
           <a:xfrm>
-            <a:off x="9079107" y="2934154"/>
+            <a:off x="9169781" y="2934154"/>
             <a:ext cx="533398" cy="2239927"/>
             <a:chOff x="8769332" y="2932348"/>
             <a:chExt cx="533398" cy="2239927"/>
@@ -10232,7 +10345,7 @@
         </p:nvSpPr>
         <p:spPr>
           <a:xfrm>
-            <a:off x="8618197" y="5722276"/>
+            <a:off x="8708871" y="5722276"/>
             <a:ext cx="1442512" cy="440588"/>
           </a:xfrm>
           <a:prstGeom prst="rect">
@@ -10276,6 +10389,4106 @@
     <p:extLst>
       <p:ext uri="{BB962C8B-B14F-4D97-AF65-F5344CB8AC3E}">
         <p14:creationId xmlns:p14="http://schemas.microsoft.com/office/powerpoint/2010/main" val="1292157595"/>
+      </p:ext>
+    </p:extLst>
+  </p:cSld>
+  <p:clrMapOvr>
+    <a:masterClrMapping/>
+  </p:clrMapOvr>
+</p:sld>
+</file>
+
+<file path=ppt/slides/slide6.xml><?xml version="1.0" encoding="utf-8"?>
+<p:sld xmlns:a="http://schemas.openxmlformats.org/drawingml/2006/main" xmlns:r="http://schemas.openxmlformats.org/officeDocument/2006/relationships" xmlns:p="http://schemas.openxmlformats.org/presentationml/2006/main">
+  <p:cSld>
+    <p:spTree>
+      <p:nvGrpSpPr>
+        <p:cNvPr id="1" name=""/>
+        <p:cNvGrpSpPr/>
+        <p:nvPr/>
+      </p:nvGrpSpPr>
+      <p:grpSpPr>
+        <a:xfrm>
+          <a:off x="0" y="0"/>
+          <a:ext cx="0" cy="0"/>
+          <a:chOff x="0" y="0"/>
+          <a:chExt cx="0" cy="0"/>
+        </a:xfrm>
+      </p:grpSpPr>
+      <p:sp>
+        <p:nvSpPr>
+          <p:cNvPr id="4" name="Tiêu đề 3">
+            <a:extLst>
+              <a:ext uri="{FF2B5EF4-FFF2-40B4-BE49-F238E27FC236}">
+                <a16:creationId xmlns:a16="http://schemas.microsoft.com/office/drawing/2014/main" id="{9349F6A1-C8F1-4EBD-9BA0-6E8B27592A29}"/>
+              </a:ext>
+            </a:extLst>
+          </p:cNvPr>
+          <p:cNvSpPr>
+            <a:spLocks noGrp="1"/>
+          </p:cNvSpPr>
+          <p:nvPr>
+            <p:ph type="title"/>
+          </p:nvPr>
+        </p:nvSpPr>
+        <p:spPr>
+          <a:xfrm>
+            <a:off x="913775" y="618519"/>
+            <a:ext cx="7963525" cy="429043"/>
+          </a:xfrm>
+        </p:spPr>
+        <p:txBody>
+          <a:bodyPr>
+            <a:noAutofit/>
+          </a:bodyPr>
+          <a:lstStyle/>
+          <a:p>
+            <a:pPr algn="l"/>
+            <a:r>
+              <a:rPr lang="en-US" dirty="0">
+                <a:latin typeface="Calibri" panose="020F0502020204030204" pitchFamily="34" charset="0"/>
+                <a:cs typeface="Calibri" panose="020F0502020204030204" pitchFamily="34" charset="0"/>
+              </a:rPr>
+              <a:t>PH</a:t>
+            </a:r>
+            <a:r>
+              <a:rPr lang="vi-VN" dirty="0">
+                <a:latin typeface="Calibri" panose="020F0502020204030204" pitchFamily="34" charset="0"/>
+                <a:cs typeface="Calibri" panose="020F0502020204030204" pitchFamily="34" charset="0"/>
+              </a:rPr>
+              <a:t>Ư</a:t>
+            </a:r>
+            <a:r>
+              <a:rPr lang="en-US" dirty="0">
+                <a:latin typeface="Calibri" panose="020F0502020204030204" pitchFamily="34" charset="0"/>
+                <a:cs typeface="Calibri" panose="020F0502020204030204" pitchFamily="34" charset="0"/>
+              </a:rPr>
+              <a:t>ƠNG PHÁP Đ</a:t>
+            </a:r>
+            <a:r>
+              <a:rPr lang="vi-VN" dirty="0">
+                <a:latin typeface="Calibri" panose="020F0502020204030204" pitchFamily="34" charset="0"/>
+                <a:cs typeface="Calibri" panose="020F0502020204030204" pitchFamily="34" charset="0"/>
+              </a:rPr>
+              <a:t>Ư</a:t>
+            </a:r>
+            <a:r>
+              <a:rPr lang="en-US" dirty="0">
+                <a:latin typeface="Calibri" panose="020F0502020204030204" pitchFamily="34" charset="0"/>
+                <a:cs typeface="Calibri" panose="020F0502020204030204" pitchFamily="34" charset="0"/>
+              </a:rPr>
+              <a:t>ỜNG DẪN C</a:t>
+            </a:r>
+            <a:r>
+              <a:rPr lang="vi-VN" dirty="0">
+                <a:latin typeface="Calibri" panose="020F0502020204030204" pitchFamily="34" charset="0"/>
+                <a:cs typeface="Calibri" panose="020F0502020204030204" pitchFamily="34" charset="0"/>
+              </a:rPr>
+              <a:t>Ơ</a:t>
+            </a:r>
+            <a:r>
+              <a:rPr lang="en-US" dirty="0">
+                <a:latin typeface="Calibri" panose="020F0502020204030204" pitchFamily="34" charset="0"/>
+                <a:cs typeface="Calibri" panose="020F0502020204030204" pitchFamily="34" charset="0"/>
+              </a:rPr>
+              <a:t> SỞ</a:t>
+            </a:r>
+            <a:endParaRPr lang="en-US" dirty="0"/>
+          </a:p>
+        </p:txBody>
+      </p:sp>
+      <p:sp>
+        <p:nvSpPr>
+          <p:cNvPr id="5" name="Chỗ dành sẵn cho Nội dung 4">
+            <a:extLst>
+              <a:ext uri="{FF2B5EF4-FFF2-40B4-BE49-F238E27FC236}">
+                <a16:creationId xmlns:a16="http://schemas.microsoft.com/office/drawing/2014/main" id="{44C270DD-8AA0-4590-9349-0A7FF2242FCA}"/>
+              </a:ext>
+            </a:extLst>
+          </p:cNvPr>
+          <p:cNvSpPr>
+            <a:spLocks noGrp="1"/>
+          </p:cNvSpPr>
+          <p:nvPr>
+            <p:ph sz="quarter" idx="13"/>
+          </p:nvPr>
+        </p:nvSpPr>
+        <p:spPr>
+          <a:xfrm>
+            <a:off x="913774" y="2260600"/>
+            <a:ext cx="10268576" cy="4180786"/>
+          </a:xfrm>
+        </p:spPr>
+        <p:txBody>
+          <a:bodyPr>
+            <a:noAutofit/>
+          </a:bodyPr>
+          <a:lstStyle/>
+          <a:p>
+            <a:pPr marL="0" indent="0">
+              <a:buNone/>
+            </a:pPr>
+            <a:endParaRPr lang="en-US" sz="3000" cap="none" dirty="0">
+              <a:latin typeface="Times New Roman" panose="02020603050405020304" pitchFamily="18" charset="0"/>
+              <a:cs typeface="Times New Roman" panose="02020603050405020304" pitchFamily="18" charset="0"/>
+            </a:endParaRPr>
+          </a:p>
+        </p:txBody>
+      </p:sp>
+      <p:sp>
+        <p:nvSpPr>
+          <p:cNvPr id="6" name="Tiêu đề 3">
+            <a:extLst>
+              <a:ext uri="{FF2B5EF4-FFF2-40B4-BE49-F238E27FC236}">
+                <a16:creationId xmlns:a16="http://schemas.microsoft.com/office/drawing/2014/main" id="{27B11300-8A9D-437D-819C-FBA05B02F134}"/>
+              </a:ext>
+            </a:extLst>
+          </p:cNvPr>
+          <p:cNvSpPr txBox="1">
+            <a:spLocks/>
+          </p:cNvSpPr>
+          <p:nvPr/>
+        </p:nvSpPr>
+        <p:spPr>
+          <a:xfrm>
+            <a:off x="913774" y="1657988"/>
+            <a:ext cx="6335163" cy="322386"/>
+          </a:xfrm>
+          <a:prstGeom prst="rect">
+            <a:avLst/>
+          </a:prstGeom>
+        </p:spPr>
+        <p:txBody>
+          <a:bodyPr vert="horz" lIns="91440" tIns="45720" rIns="91440" bIns="45720" rtlCol="0" anchor="ctr">
+            <a:noAutofit/>
+          </a:bodyPr>
+          <a:lstStyle>
+            <a:lvl1pPr algn="ctr" defTabSz="914400" rtl="0" eaLnBrk="1" latinLnBrk="0" hangingPunct="1">
+              <a:lnSpc>
+                <a:spcPct val="90000"/>
+              </a:lnSpc>
+              <a:spcBef>
+                <a:spcPct val="0"/>
+              </a:spcBef>
+              <a:buNone/>
+              <a:defRPr sz="3600" kern="1200" cap="all" baseline="0">
+                <a:solidFill>
+                  <a:schemeClr val="tx1"/>
+                </a:solidFill>
+                <a:effectLst/>
+                <a:latin typeface="+mj-lt"/>
+                <a:ea typeface="+mj-ea"/>
+                <a:cs typeface="+mj-cs"/>
+              </a:defRPr>
+            </a:lvl1pPr>
+          </a:lstStyle>
+          <a:p>
+            <a:pPr algn="l"/>
+            <a:r>
+              <a:rPr lang="en-US" sz="3000" u="sng" dirty="0">
+                <a:latin typeface="Segoe UI" panose="020B0502040204020203" pitchFamily="34" charset="0"/>
+                <a:cs typeface="Segoe UI" panose="020B0502040204020203" pitchFamily="34" charset="0"/>
+              </a:rPr>
+              <a:t>I</a:t>
+            </a:r>
+            <a:r>
+              <a:rPr lang="vi-VN" sz="3000" u="sng" dirty="0">
+                <a:latin typeface="Segoe UI" panose="020B0502040204020203" pitchFamily="34" charset="0"/>
+                <a:cs typeface="Segoe UI" panose="020B0502040204020203" pitchFamily="34" charset="0"/>
+              </a:rPr>
+              <a:t>I</a:t>
+            </a:r>
+            <a:r>
+              <a:rPr lang="en-US" sz="3000" u="sng" dirty="0">
+                <a:latin typeface="Segoe UI" panose="020B0502040204020203" pitchFamily="34" charset="0"/>
+                <a:cs typeface="Segoe UI" panose="020B0502040204020203" pitchFamily="34" charset="0"/>
+              </a:rPr>
+              <a:t>.1. VẼ ĐỒ THỊ DÒNG ĐIỀU KHIỂN</a:t>
+            </a:r>
+          </a:p>
+        </p:txBody>
+      </p:sp>
+      <p:sp>
+        <p:nvSpPr>
+          <p:cNvPr id="132" name="Hình chữ nhật 131">
+            <a:extLst>
+              <a:ext uri="{FF2B5EF4-FFF2-40B4-BE49-F238E27FC236}">
+                <a16:creationId xmlns:a16="http://schemas.microsoft.com/office/drawing/2014/main" id="{101E6EE5-2F63-415F-A8B9-49FEDDBAEB2A}"/>
+              </a:ext>
+            </a:extLst>
+          </p:cNvPr>
+          <p:cNvSpPr/>
+          <p:nvPr/>
+        </p:nvSpPr>
+        <p:spPr>
+          <a:xfrm>
+            <a:off x="4646041" y="5733098"/>
+            <a:ext cx="1554953" cy="440588"/>
+          </a:xfrm>
+          <a:prstGeom prst="rect">
+            <a:avLst/>
+          </a:prstGeom>
+          <a:ln/>
+        </p:spPr>
+        <p:style>
+          <a:lnRef idx="2">
+            <a:schemeClr val="dk1"/>
+          </a:lnRef>
+          <a:fillRef idx="1">
+            <a:schemeClr val="lt1"/>
+          </a:fillRef>
+          <a:effectRef idx="0">
+            <a:schemeClr val="dk1"/>
+          </a:effectRef>
+          <a:fontRef idx="minor">
+            <a:schemeClr val="dk1"/>
+          </a:fontRef>
+        </p:style>
+        <p:txBody>
+          <a:bodyPr rtlCol="0" anchor="ctr"/>
+          <a:lstStyle/>
+          <a:p>
+            <a:pPr algn="ctr"/>
+            <a:r>
+              <a:rPr lang="vi-VN" sz="2400" dirty="0" err="1">
+                <a:solidFill>
+                  <a:schemeClr val="tx1"/>
+                </a:solidFill>
+                <a:latin typeface="Times New Roman" panose="02020603050405020304" pitchFamily="18" charset="0"/>
+                <a:cs typeface="Times New Roman" panose="02020603050405020304" pitchFamily="18" charset="0"/>
+              </a:rPr>
+              <a:t>switch</a:t>
+            </a:r>
+            <a:endParaRPr lang="en-US" sz="2400" dirty="0">
+              <a:solidFill>
+                <a:schemeClr val="tx1"/>
+              </a:solidFill>
+              <a:latin typeface="Times New Roman" panose="02020603050405020304" pitchFamily="18" charset="0"/>
+              <a:cs typeface="Times New Roman" panose="02020603050405020304" pitchFamily="18" charset="0"/>
+            </a:endParaRPr>
+          </a:p>
+        </p:txBody>
+      </p:sp>
+      <p:sp>
+        <p:nvSpPr>
+          <p:cNvPr id="134" name="Hình chữ nhật 133">
+            <a:extLst>
+              <a:ext uri="{FF2B5EF4-FFF2-40B4-BE49-F238E27FC236}">
+                <a16:creationId xmlns:a16="http://schemas.microsoft.com/office/drawing/2014/main" id="{5D5B11EE-5B6C-4399-8230-8F23BDA6C931}"/>
+              </a:ext>
+            </a:extLst>
+          </p:cNvPr>
+          <p:cNvSpPr/>
+          <p:nvPr/>
+        </p:nvSpPr>
+        <p:spPr>
+          <a:xfrm>
+            <a:off x="1529794" y="5733098"/>
+            <a:ext cx="1554953" cy="440588"/>
+          </a:xfrm>
+          <a:prstGeom prst="rect">
+            <a:avLst/>
+          </a:prstGeom>
+          <a:ln/>
+        </p:spPr>
+        <p:style>
+          <a:lnRef idx="2">
+            <a:schemeClr val="dk1"/>
+          </a:lnRef>
+          <a:fillRef idx="1">
+            <a:schemeClr val="lt1"/>
+          </a:fillRef>
+          <a:effectRef idx="0">
+            <a:schemeClr val="dk1"/>
+          </a:effectRef>
+          <a:fontRef idx="minor">
+            <a:schemeClr val="dk1"/>
+          </a:fontRef>
+        </p:style>
+        <p:txBody>
+          <a:bodyPr rtlCol="0" anchor="ctr"/>
+          <a:lstStyle/>
+          <a:p>
+            <a:pPr algn="ctr"/>
+            <a:r>
+              <a:rPr lang="vi-VN" sz="2400" dirty="0">
+                <a:solidFill>
+                  <a:schemeClr val="tx1"/>
+                </a:solidFill>
+                <a:latin typeface="Times New Roman" panose="02020603050405020304" pitchFamily="18" charset="0"/>
+                <a:cs typeface="Times New Roman" panose="02020603050405020304" pitchFamily="18" charset="0"/>
+              </a:rPr>
+              <a:t>do - </a:t>
+            </a:r>
+            <a:r>
+              <a:rPr lang="vi-VN" sz="2400" dirty="0" err="1">
+                <a:solidFill>
+                  <a:schemeClr val="tx1"/>
+                </a:solidFill>
+                <a:latin typeface="Times New Roman" panose="02020603050405020304" pitchFamily="18" charset="0"/>
+                <a:cs typeface="Times New Roman" panose="02020603050405020304" pitchFamily="18" charset="0"/>
+              </a:rPr>
+              <a:t>while</a:t>
+            </a:r>
+            <a:endParaRPr lang="en-US" sz="2400" dirty="0">
+              <a:solidFill>
+                <a:schemeClr val="tx1"/>
+              </a:solidFill>
+              <a:latin typeface="Times New Roman" panose="02020603050405020304" pitchFamily="18" charset="0"/>
+              <a:cs typeface="Times New Roman" panose="02020603050405020304" pitchFamily="18" charset="0"/>
+            </a:endParaRPr>
+          </a:p>
+        </p:txBody>
+      </p:sp>
+      <p:sp>
+        <p:nvSpPr>
+          <p:cNvPr id="201" name="Hình chữ nhật 200">
+            <a:extLst>
+              <a:ext uri="{FF2B5EF4-FFF2-40B4-BE49-F238E27FC236}">
+                <a16:creationId xmlns:a16="http://schemas.microsoft.com/office/drawing/2014/main" id="{C415EADF-3115-4744-915A-0D3151D300C7}"/>
+              </a:ext>
+            </a:extLst>
+          </p:cNvPr>
+          <p:cNvSpPr/>
+          <p:nvPr/>
+        </p:nvSpPr>
+        <p:spPr>
+          <a:xfrm>
+            <a:off x="8385999" y="5728327"/>
+            <a:ext cx="1442512" cy="440588"/>
+          </a:xfrm>
+          <a:prstGeom prst="rect">
+            <a:avLst/>
+          </a:prstGeom>
+          <a:ln/>
+        </p:spPr>
+        <p:style>
+          <a:lnRef idx="2">
+            <a:schemeClr val="dk1"/>
+          </a:lnRef>
+          <a:fillRef idx="1">
+            <a:schemeClr val="lt1"/>
+          </a:fillRef>
+          <a:effectRef idx="0">
+            <a:schemeClr val="dk1"/>
+          </a:effectRef>
+          <a:fontRef idx="minor">
+            <a:schemeClr val="dk1"/>
+          </a:fontRef>
+        </p:style>
+        <p:txBody>
+          <a:bodyPr rtlCol="0" anchor="ctr"/>
+          <a:lstStyle/>
+          <a:p>
+            <a:pPr algn="ctr"/>
+            <a:r>
+              <a:rPr lang="vi-VN" sz="2400" dirty="0" err="1">
+                <a:solidFill>
+                  <a:schemeClr val="tx1"/>
+                </a:solidFill>
+                <a:latin typeface="Times New Roman" panose="02020603050405020304" pitchFamily="18" charset="0"/>
+                <a:cs typeface="Times New Roman" panose="02020603050405020304" pitchFamily="18" charset="0"/>
+              </a:rPr>
+              <a:t>for</a:t>
+            </a:r>
+            <a:endParaRPr lang="en-US" sz="2400" dirty="0">
+              <a:solidFill>
+                <a:schemeClr val="tx1"/>
+              </a:solidFill>
+              <a:latin typeface="Times New Roman" panose="02020603050405020304" pitchFamily="18" charset="0"/>
+              <a:cs typeface="Times New Roman" panose="02020603050405020304" pitchFamily="18" charset="0"/>
+            </a:endParaRPr>
+          </a:p>
+        </p:txBody>
+      </p:sp>
+      <p:grpSp>
+        <p:nvGrpSpPr>
+          <p:cNvPr id="311" name="Nhóm 310">
+            <a:extLst>
+              <a:ext uri="{FF2B5EF4-FFF2-40B4-BE49-F238E27FC236}">
+                <a16:creationId xmlns:a16="http://schemas.microsoft.com/office/drawing/2014/main" id="{A61420B2-5947-4B41-9D60-142867595117}"/>
+              </a:ext>
+            </a:extLst>
+          </p:cNvPr>
+          <p:cNvGrpSpPr/>
+          <p:nvPr/>
+        </p:nvGrpSpPr>
+        <p:grpSpPr>
+          <a:xfrm>
+            <a:off x="2040573" y="2934154"/>
+            <a:ext cx="533398" cy="2313784"/>
+            <a:chOff x="1937575" y="2934154"/>
+            <a:chExt cx="533398" cy="2313784"/>
+          </a:xfrm>
+        </p:grpSpPr>
+        <p:sp>
+          <p:nvSpPr>
+            <p:cNvPr id="137" name="Hình Bầu dục 136">
+              <a:extLst>
+                <a:ext uri="{FF2B5EF4-FFF2-40B4-BE49-F238E27FC236}">
+                  <a16:creationId xmlns:a16="http://schemas.microsoft.com/office/drawing/2014/main" id="{722D35DA-7093-47BC-B611-7F4EBB3BA73D}"/>
+                </a:ext>
+              </a:extLst>
+            </p:cNvPr>
+            <p:cNvSpPr/>
+            <p:nvPr/>
+          </p:nvSpPr>
+          <p:spPr>
+            <a:xfrm>
+              <a:off x="1937575" y="2934154"/>
+              <a:ext cx="520698" cy="535206"/>
+            </a:xfrm>
+            <a:prstGeom prst="ellipse">
+              <a:avLst/>
+            </a:prstGeom>
+          </p:spPr>
+          <p:style>
+            <a:lnRef idx="2">
+              <a:schemeClr val="accent1">
+                <a:shade val="50000"/>
+              </a:schemeClr>
+            </a:lnRef>
+            <a:fillRef idx="1">
+              <a:schemeClr val="accent1"/>
+            </a:fillRef>
+            <a:effectRef idx="0">
+              <a:schemeClr val="accent1"/>
+            </a:effectRef>
+            <a:fontRef idx="minor">
+              <a:schemeClr val="lt1"/>
+            </a:fontRef>
+          </p:style>
+          <p:txBody>
+            <a:bodyPr rtlCol="0" anchor="ctr"/>
+            <a:lstStyle/>
+            <a:p>
+              <a:pPr algn="ctr"/>
+              <a:endParaRPr lang="en-US"/>
+            </a:p>
+          </p:txBody>
+        </p:sp>
+        <p:sp>
+          <p:nvSpPr>
+            <p:cNvPr id="138" name="Hình Bầu dục 137">
+              <a:extLst>
+                <a:ext uri="{FF2B5EF4-FFF2-40B4-BE49-F238E27FC236}">
+                  <a16:creationId xmlns:a16="http://schemas.microsoft.com/office/drawing/2014/main" id="{5A72FCF9-4925-47D7-8126-B82061ABE9F2}"/>
+                </a:ext>
+              </a:extLst>
+            </p:cNvPr>
+            <p:cNvSpPr/>
+            <p:nvPr/>
+          </p:nvSpPr>
+          <p:spPr>
+            <a:xfrm>
+              <a:off x="1950275" y="4712732"/>
+              <a:ext cx="520698" cy="535206"/>
+            </a:xfrm>
+            <a:prstGeom prst="ellipse">
+              <a:avLst/>
+            </a:prstGeom>
+          </p:spPr>
+          <p:style>
+            <a:lnRef idx="2">
+              <a:schemeClr val="accent1">
+                <a:shade val="50000"/>
+              </a:schemeClr>
+            </a:lnRef>
+            <a:fillRef idx="1">
+              <a:schemeClr val="accent1"/>
+            </a:fillRef>
+            <a:effectRef idx="0">
+              <a:schemeClr val="accent1"/>
+            </a:effectRef>
+            <a:fontRef idx="minor">
+              <a:schemeClr val="lt1"/>
+            </a:fontRef>
+          </p:style>
+          <p:txBody>
+            <a:bodyPr rtlCol="0" anchor="ctr"/>
+            <a:lstStyle/>
+            <a:p>
+              <a:pPr algn="ctr"/>
+              <a:endParaRPr lang="en-US"/>
+            </a:p>
+          </p:txBody>
+        </p:sp>
+        <p:sp>
+          <p:nvSpPr>
+            <p:cNvPr id="139" name="Hình Bầu dục 138">
+              <a:extLst>
+                <a:ext uri="{FF2B5EF4-FFF2-40B4-BE49-F238E27FC236}">
+                  <a16:creationId xmlns:a16="http://schemas.microsoft.com/office/drawing/2014/main" id="{E8208DF8-EF93-4C51-9C51-B9E67B437AB5}"/>
+                </a:ext>
+              </a:extLst>
+            </p:cNvPr>
+            <p:cNvSpPr/>
+            <p:nvPr/>
+          </p:nvSpPr>
+          <p:spPr>
+            <a:xfrm>
+              <a:off x="1937575" y="3823443"/>
+              <a:ext cx="520693" cy="535206"/>
+            </a:xfrm>
+            <a:prstGeom prst="ellipse">
+              <a:avLst/>
+            </a:prstGeom>
+          </p:spPr>
+          <p:style>
+            <a:lnRef idx="2">
+              <a:schemeClr val="accent1">
+                <a:shade val="50000"/>
+              </a:schemeClr>
+            </a:lnRef>
+            <a:fillRef idx="1">
+              <a:schemeClr val="accent1"/>
+            </a:fillRef>
+            <a:effectRef idx="0">
+              <a:schemeClr val="accent1"/>
+            </a:effectRef>
+            <a:fontRef idx="minor">
+              <a:schemeClr val="lt1"/>
+            </a:fontRef>
+          </p:style>
+          <p:txBody>
+            <a:bodyPr rtlCol="0" anchor="ctr"/>
+            <a:lstStyle/>
+            <a:p>
+              <a:pPr algn="ctr"/>
+              <a:endParaRPr lang="en-US" dirty="0"/>
+            </a:p>
+          </p:txBody>
+        </p:sp>
+        <p:cxnSp>
+          <p:nvCxnSpPr>
+            <p:cNvPr id="142" name="Đường kết nối Mũi tên Thẳng 141">
+              <a:extLst>
+                <a:ext uri="{FF2B5EF4-FFF2-40B4-BE49-F238E27FC236}">
+                  <a16:creationId xmlns:a16="http://schemas.microsoft.com/office/drawing/2014/main" id="{37147D8B-FB97-40F6-ACC8-3F6C0E5DC37E}"/>
+                </a:ext>
+              </a:extLst>
+            </p:cNvPr>
+            <p:cNvCxnSpPr>
+              <a:cxnSpLocks/>
+              <a:stCxn id="137" idx="4"/>
+              <a:endCxn id="139" idx="0"/>
+            </p:cNvCxnSpPr>
+            <p:nvPr/>
+          </p:nvCxnSpPr>
+          <p:spPr>
+            <a:xfrm flipH="1">
+              <a:off x="2197922" y="3469360"/>
+              <a:ext cx="2" cy="354083"/>
+            </a:xfrm>
+            <a:prstGeom prst="straightConnector1">
+              <a:avLst/>
+            </a:prstGeom>
+            <a:ln>
+              <a:tailEnd type="triangle"/>
+            </a:ln>
+          </p:spPr>
+          <p:style>
+            <a:lnRef idx="3">
+              <a:schemeClr val="dk1"/>
+            </a:lnRef>
+            <a:fillRef idx="0">
+              <a:schemeClr val="dk1"/>
+            </a:fillRef>
+            <a:effectRef idx="2">
+              <a:schemeClr val="dk1"/>
+            </a:effectRef>
+            <a:fontRef idx="minor">
+              <a:schemeClr val="tx1"/>
+            </a:fontRef>
+          </p:style>
+        </p:cxnSp>
+        <p:cxnSp>
+          <p:nvCxnSpPr>
+            <p:cNvPr id="197" name="Đường kết nối: Cong 196">
+              <a:extLst>
+                <a:ext uri="{FF2B5EF4-FFF2-40B4-BE49-F238E27FC236}">
+                  <a16:creationId xmlns:a16="http://schemas.microsoft.com/office/drawing/2014/main" id="{D8F233FB-869D-44C2-BAE1-CC5A72B39F26}"/>
+                </a:ext>
+              </a:extLst>
+            </p:cNvPr>
+            <p:cNvCxnSpPr>
+              <a:stCxn id="139" idx="2"/>
+              <a:endCxn id="137" idx="2"/>
+            </p:cNvCxnSpPr>
+            <p:nvPr/>
+          </p:nvCxnSpPr>
+          <p:spPr>
+            <a:xfrm rot="10800000">
+              <a:off x="1937575" y="3201758"/>
+              <a:ext cx="12700" cy="889289"/>
+            </a:xfrm>
+            <a:prstGeom prst="curvedConnector3">
+              <a:avLst>
+                <a:gd name="adj1" fmla="val 1800000"/>
+              </a:avLst>
+            </a:prstGeom>
+            <a:ln>
+              <a:tailEnd type="triangle"/>
+            </a:ln>
+          </p:spPr>
+          <p:style>
+            <a:lnRef idx="3">
+              <a:schemeClr val="dk1"/>
+            </a:lnRef>
+            <a:fillRef idx="0">
+              <a:schemeClr val="dk1"/>
+            </a:fillRef>
+            <a:effectRef idx="2">
+              <a:schemeClr val="dk1"/>
+            </a:effectRef>
+            <a:fontRef idx="minor">
+              <a:schemeClr val="tx1"/>
+            </a:fontRef>
+          </p:style>
+        </p:cxnSp>
+        <p:cxnSp>
+          <p:nvCxnSpPr>
+            <p:cNvPr id="7" name="Đường kết nối Mũi tên Thẳng 6">
+              <a:extLst>
+                <a:ext uri="{FF2B5EF4-FFF2-40B4-BE49-F238E27FC236}">
+                  <a16:creationId xmlns:a16="http://schemas.microsoft.com/office/drawing/2014/main" id="{10DCEF48-2DB2-44A1-9D7D-E9BE1F42B09A}"/>
+                </a:ext>
+              </a:extLst>
+            </p:cNvPr>
+            <p:cNvCxnSpPr>
+              <a:stCxn id="139" idx="4"/>
+              <a:endCxn id="138" idx="0"/>
+            </p:cNvCxnSpPr>
+            <p:nvPr/>
+          </p:nvCxnSpPr>
+          <p:spPr>
+            <a:xfrm>
+              <a:off x="2197922" y="4358649"/>
+              <a:ext cx="12702" cy="354083"/>
+            </a:xfrm>
+            <a:prstGeom prst="straightConnector1">
+              <a:avLst/>
+            </a:prstGeom>
+            <a:ln>
+              <a:tailEnd type="triangle"/>
+            </a:ln>
+          </p:spPr>
+          <p:style>
+            <a:lnRef idx="3">
+              <a:schemeClr val="dk1"/>
+            </a:lnRef>
+            <a:fillRef idx="0">
+              <a:schemeClr val="dk1"/>
+            </a:fillRef>
+            <a:effectRef idx="2">
+              <a:schemeClr val="dk1"/>
+            </a:effectRef>
+            <a:fontRef idx="minor">
+              <a:schemeClr val="tx1"/>
+            </a:fontRef>
+          </p:style>
+        </p:cxnSp>
+      </p:grpSp>
+      <p:grpSp>
+        <p:nvGrpSpPr>
+          <p:cNvPr id="224" name="Nhóm 223">
+            <a:extLst>
+              <a:ext uri="{FF2B5EF4-FFF2-40B4-BE49-F238E27FC236}">
+                <a16:creationId xmlns:a16="http://schemas.microsoft.com/office/drawing/2014/main" id="{ABF8F98A-282B-432F-91F5-CCD68CA92D96}"/>
+              </a:ext>
+            </a:extLst>
+          </p:cNvPr>
+          <p:cNvGrpSpPr/>
+          <p:nvPr/>
+        </p:nvGrpSpPr>
+        <p:grpSpPr>
+          <a:xfrm>
+            <a:off x="4242448" y="2934154"/>
+            <a:ext cx="2363318" cy="2313784"/>
+            <a:chOff x="3118684" y="2934154"/>
+            <a:chExt cx="2363318" cy="2313784"/>
+          </a:xfrm>
+        </p:grpSpPr>
+        <p:sp>
+          <p:nvSpPr>
+            <p:cNvPr id="225" name="Hình Bầu dục 224">
+              <a:extLst>
+                <a:ext uri="{FF2B5EF4-FFF2-40B4-BE49-F238E27FC236}">
+                  <a16:creationId xmlns:a16="http://schemas.microsoft.com/office/drawing/2014/main" id="{06B7C75D-3F96-45EB-8939-D43AC8810355}"/>
+                </a:ext>
+              </a:extLst>
+            </p:cNvPr>
+            <p:cNvSpPr/>
+            <p:nvPr/>
+          </p:nvSpPr>
+          <p:spPr>
+            <a:xfrm>
+              <a:off x="4040582" y="2934154"/>
+              <a:ext cx="520698" cy="533400"/>
+            </a:xfrm>
+            <a:prstGeom prst="ellipse">
+              <a:avLst/>
+            </a:prstGeom>
+          </p:spPr>
+          <p:style>
+            <a:lnRef idx="2">
+              <a:schemeClr val="accent1">
+                <a:shade val="50000"/>
+              </a:schemeClr>
+            </a:lnRef>
+            <a:fillRef idx="1">
+              <a:schemeClr val="accent1"/>
+            </a:fillRef>
+            <a:effectRef idx="0">
+              <a:schemeClr val="accent1"/>
+            </a:effectRef>
+            <a:fontRef idx="minor">
+              <a:schemeClr val="lt1"/>
+            </a:fontRef>
+          </p:style>
+          <p:txBody>
+            <a:bodyPr rtlCol="0" anchor="ctr"/>
+            <a:lstStyle/>
+            <a:p>
+              <a:pPr algn="ctr"/>
+              <a:endParaRPr lang="en-US"/>
+            </a:p>
+          </p:txBody>
+        </p:sp>
+        <p:sp>
+          <p:nvSpPr>
+            <p:cNvPr id="226" name="Hình Bầu dục 225">
+              <a:extLst>
+                <a:ext uri="{FF2B5EF4-FFF2-40B4-BE49-F238E27FC236}">
+                  <a16:creationId xmlns:a16="http://schemas.microsoft.com/office/drawing/2014/main" id="{9A4BF463-F8A9-4BA2-BF79-B3749E6A7094}"/>
+                </a:ext>
+              </a:extLst>
+            </p:cNvPr>
+            <p:cNvSpPr/>
+            <p:nvPr/>
+          </p:nvSpPr>
+          <p:spPr>
+            <a:xfrm>
+              <a:off x="4040582" y="4714538"/>
+              <a:ext cx="520698" cy="533400"/>
+            </a:xfrm>
+            <a:prstGeom prst="ellipse">
+              <a:avLst/>
+            </a:prstGeom>
+          </p:spPr>
+          <p:style>
+            <a:lnRef idx="2">
+              <a:schemeClr val="accent1">
+                <a:shade val="50000"/>
+              </a:schemeClr>
+            </a:lnRef>
+            <a:fillRef idx="1">
+              <a:schemeClr val="accent1"/>
+            </a:fillRef>
+            <a:effectRef idx="0">
+              <a:schemeClr val="accent1"/>
+            </a:effectRef>
+            <a:fontRef idx="minor">
+              <a:schemeClr val="lt1"/>
+            </a:fontRef>
+          </p:style>
+          <p:txBody>
+            <a:bodyPr rtlCol="0" anchor="ctr"/>
+            <a:lstStyle/>
+            <a:p>
+              <a:pPr algn="ctr"/>
+              <a:endParaRPr lang="en-US"/>
+            </a:p>
+          </p:txBody>
+        </p:sp>
+        <p:sp>
+          <p:nvSpPr>
+            <p:cNvPr id="227" name="Hình Bầu dục 226">
+              <a:extLst>
+                <a:ext uri="{FF2B5EF4-FFF2-40B4-BE49-F238E27FC236}">
+                  <a16:creationId xmlns:a16="http://schemas.microsoft.com/office/drawing/2014/main" id="{0B6AC365-E907-40E1-8AE7-B81B548293C9}"/>
+                </a:ext>
+              </a:extLst>
+            </p:cNvPr>
+            <p:cNvSpPr/>
+            <p:nvPr/>
+          </p:nvSpPr>
+          <p:spPr>
+            <a:xfrm>
+              <a:off x="3118684" y="3840296"/>
+              <a:ext cx="520654" cy="533400"/>
+            </a:xfrm>
+            <a:prstGeom prst="ellipse">
+              <a:avLst/>
+            </a:prstGeom>
+          </p:spPr>
+          <p:style>
+            <a:lnRef idx="2">
+              <a:schemeClr val="accent1">
+                <a:shade val="50000"/>
+              </a:schemeClr>
+            </a:lnRef>
+            <a:fillRef idx="1">
+              <a:schemeClr val="accent1"/>
+            </a:fillRef>
+            <a:effectRef idx="0">
+              <a:schemeClr val="accent1"/>
+            </a:effectRef>
+            <a:fontRef idx="minor">
+              <a:schemeClr val="lt1"/>
+            </a:fontRef>
+          </p:style>
+          <p:txBody>
+            <a:bodyPr rtlCol="0" anchor="ctr"/>
+            <a:lstStyle/>
+            <a:p>
+              <a:pPr algn="ctr"/>
+              <a:endParaRPr lang="en-US"/>
+            </a:p>
+          </p:txBody>
+        </p:sp>
+        <p:cxnSp>
+          <p:nvCxnSpPr>
+            <p:cNvPr id="228" name="Đường kết nối Mũi tên Thẳng 227">
+              <a:extLst>
+                <a:ext uri="{FF2B5EF4-FFF2-40B4-BE49-F238E27FC236}">
+                  <a16:creationId xmlns:a16="http://schemas.microsoft.com/office/drawing/2014/main" id="{74481A8B-92B4-4CB2-A840-A1509C1FAFFD}"/>
+                </a:ext>
+              </a:extLst>
+            </p:cNvPr>
+            <p:cNvCxnSpPr>
+              <a:cxnSpLocks/>
+              <a:stCxn id="225" idx="3"/>
+              <a:endCxn id="227" idx="7"/>
+            </p:cNvCxnSpPr>
+            <p:nvPr/>
+          </p:nvCxnSpPr>
+          <p:spPr>
+            <a:xfrm flipH="1">
+              <a:off x="3563090" y="3389439"/>
+              <a:ext cx="553746" cy="528972"/>
+            </a:xfrm>
+            <a:prstGeom prst="straightConnector1">
+              <a:avLst/>
+            </a:prstGeom>
+            <a:ln>
+              <a:tailEnd type="triangle"/>
+            </a:ln>
+          </p:spPr>
+          <p:style>
+            <a:lnRef idx="3">
+              <a:schemeClr val="dk1"/>
+            </a:lnRef>
+            <a:fillRef idx="0">
+              <a:schemeClr val="dk1"/>
+            </a:fillRef>
+            <a:effectRef idx="2">
+              <a:schemeClr val="dk1"/>
+            </a:effectRef>
+            <a:fontRef idx="minor">
+              <a:schemeClr val="tx1"/>
+            </a:fontRef>
+          </p:style>
+        </p:cxnSp>
+        <p:cxnSp>
+          <p:nvCxnSpPr>
+            <p:cNvPr id="229" name="Đường kết nối Mũi tên Thẳng 228">
+              <a:extLst>
+                <a:ext uri="{FF2B5EF4-FFF2-40B4-BE49-F238E27FC236}">
+                  <a16:creationId xmlns:a16="http://schemas.microsoft.com/office/drawing/2014/main" id="{ED22EF00-2F53-4994-BBDB-CD73790286B7}"/>
+                </a:ext>
+              </a:extLst>
+            </p:cNvPr>
+            <p:cNvCxnSpPr>
+              <a:cxnSpLocks/>
+              <a:stCxn id="227" idx="5"/>
+              <a:endCxn id="226" idx="1"/>
+            </p:cNvCxnSpPr>
+            <p:nvPr/>
+          </p:nvCxnSpPr>
+          <p:spPr>
+            <a:xfrm>
+              <a:off x="3563090" y="4295581"/>
+              <a:ext cx="553746" cy="497072"/>
+            </a:xfrm>
+            <a:prstGeom prst="straightConnector1">
+              <a:avLst/>
+            </a:prstGeom>
+            <a:ln>
+              <a:tailEnd type="triangle"/>
+            </a:ln>
+          </p:spPr>
+          <p:style>
+            <a:lnRef idx="3">
+              <a:schemeClr val="dk1"/>
+            </a:lnRef>
+            <a:fillRef idx="0">
+              <a:schemeClr val="dk1"/>
+            </a:fillRef>
+            <a:effectRef idx="2">
+              <a:schemeClr val="dk1"/>
+            </a:effectRef>
+            <a:fontRef idx="minor">
+              <a:schemeClr val="tx1"/>
+            </a:fontRef>
+          </p:style>
+        </p:cxnSp>
+        <p:sp>
+          <p:nvSpPr>
+            <p:cNvPr id="230" name="Hình Bầu dục 229">
+              <a:extLst>
+                <a:ext uri="{FF2B5EF4-FFF2-40B4-BE49-F238E27FC236}">
+                  <a16:creationId xmlns:a16="http://schemas.microsoft.com/office/drawing/2014/main" id="{961423B7-BDDB-46F3-98DE-DD7069D1610E}"/>
+                </a:ext>
+              </a:extLst>
+            </p:cNvPr>
+            <p:cNvSpPr/>
+            <p:nvPr/>
+          </p:nvSpPr>
+          <p:spPr>
+            <a:xfrm>
+              <a:off x="4961309" y="3840296"/>
+              <a:ext cx="520693" cy="533400"/>
+            </a:xfrm>
+            <a:prstGeom prst="ellipse">
+              <a:avLst/>
+            </a:prstGeom>
+          </p:spPr>
+          <p:style>
+            <a:lnRef idx="2">
+              <a:schemeClr val="accent1">
+                <a:shade val="50000"/>
+              </a:schemeClr>
+            </a:lnRef>
+            <a:fillRef idx="1">
+              <a:schemeClr val="accent1"/>
+            </a:fillRef>
+            <a:effectRef idx="0">
+              <a:schemeClr val="accent1"/>
+            </a:effectRef>
+            <a:fontRef idx="minor">
+              <a:schemeClr val="lt1"/>
+            </a:fontRef>
+          </p:style>
+          <p:txBody>
+            <a:bodyPr rtlCol="0" anchor="ctr"/>
+            <a:lstStyle/>
+            <a:p>
+              <a:pPr algn="ctr"/>
+              <a:endParaRPr lang="en-US"/>
+            </a:p>
+          </p:txBody>
+        </p:sp>
+        <p:cxnSp>
+          <p:nvCxnSpPr>
+            <p:cNvPr id="231" name="Đường kết nối Mũi tên Thẳng 230">
+              <a:extLst>
+                <a:ext uri="{FF2B5EF4-FFF2-40B4-BE49-F238E27FC236}">
+                  <a16:creationId xmlns:a16="http://schemas.microsoft.com/office/drawing/2014/main" id="{4ADDEE51-52B9-4B2D-B2A5-5A0A90C0C687}"/>
+                </a:ext>
+              </a:extLst>
+            </p:cNvPr>
+            <p:cNvCxnSpPr>
+              <a:cxnSpLocks/>
+              <a:stCxn id="225" idx="5"/>
+              <a:endCxn id="230" idx="1"/>
+            </p:cNvCxnSpPr>
+            <p:nvPr/>
+          </p:nvCxnSpPr>
+          <p:spPr>
+            <a:xfrm>
+              <a:off x="4485026" y="3389439"/>
+              <a:ext cx="552537" cy="528972"/>
+            </a:xfrm>
+            <a:prstGeom prst="straightConnector1">
+              <a:avLst/>
+            </a:prstGeom>
+            <a:ln>
+              <a:tailEnd type="triangle"/>
+            </a:ln>
+          </p:spPr>
+          <p:style>
+            <a:lnRef idx="3">
+              <a:schemeClr val="dk1"/>
+            </a:lnRef>
+            <a:fillRef idx="0">
+              <a:schemeClr val="dk1"/>
+            </a:fillRef>
+            <a:effectRef idx="2">
+              <a:schemeClr val="dk1"/>
+            </a:effectRef>
+            <a:fontRef idx="minor">
+              <a:schemeClr val="tx1"/>
+            </a:fontRef>
+          </p:style>
+        </p:cxnSp>
+        <p:cxnSp>
+          <p:nvCxnSpPr>
+            <p:cNvPr id="232" name="Đường kết nối Mũi tên Thẳng 231">
+              <a:extLst>
+                <a:ext uri="{FF2B5EF4-FFF2-40B4-BE49-F238E27FC236}">
+                  <a16:creationId xmlns:a16="http://schemas.microsoft.com/office/drawing/2014/main" id="{017A6443-ECAD-4978-9A69-14A6C86B50E8}"/>
+                </a:ext>
+              </a:extLst>
+            </p:cNvPr>
+            <p:cNvCxnSpPr>
+              <a:cxnSpLocks/>
+              <a:stCxn id="230" idx="3"/>
+              <a:endCxn id="226" idx="7"/>
+            </p:cNvCxnSpPr>
+            <p:nvPr/>
+          </p:nvCxnSpPr>
+          <p:spPr>
+            <a:xfrm flipH="1">
+              <a:off x="4485026" y="4295581"/>
+              <a:ext cx="552537" cy="497072"/>
+            </a:xfrm>
+            <a:prstGeom prst="straightConnector1">
+              <a:avLst/>
+            </a:prstGeom>
+            <a:ln>
+              <a:tailEnd type="triangle"/>
+            </a:ln>
+          </p:spPr>
+          <p:style>
+            <a:lnRef idx="3">
+              <a:schemeClr val="dk1"/>
+            </a:lnRef>
+            <a:fillRef idx="0">
+              <a:schemeClr val="dk1"/>
+            </a:fillRef>
+            <a:effectRef idx="2">
+              <a:schemeClr val="dk1"/>
+            </a:effectRef>
+            <a:fontRef idx="minor">
+              <a:schemeClr val="tx1"/>
+            </a:fontRef>
+          </p:style>
+        </p:cxnSp>
+        <p:sp>
+          <p:nvSpPr>
+            <p:cNvPr id="233" name="Hình Bầu dục 232">
+              <a:extLst>
+                <a:ext uri="{FF2B5EF4-FFF2-40B4-BE49-F238E27FC236}">
+                  <a16:creationId xmlns:a16="http://schemas.microsoft.com/office/drawing/2014/main" id="{78253C12-A5AA-4E04-B877-108AC2695365}"/>
+                </a:ext>
+              </a:extLst>
+            </p:cNvPr>
+            <p:cNvSpPr/>
+            <p:nvPr/>
+          </p:nvSpPr>
+          <p:spPr>
+            <a:xfrm>
+              <a:off x="4039408" y="3840296"/>
+              <a:ext cx="520693" cy="533400"/>
+            </a:xfrm>
+            <a:prstGeom prst="ellipse">
+              <a:avLst/>
+            </a:prstGeom>
+          </p:spPr>
+          <p:style>
+            <a:lnRef idx="2">
+              <a:schemeClr val="accent1">
+                <a:shade val="50000"/>
+              </a:schemeClr>
+            </a:lnRef>
+            <a:fillRef idx="1">
+              <a:schemeClr val="accent1"/>
+            </a:fillRef>
+            <a:effectRef idx="0">
+              <a:schemeClr val="accent1"/>
+            </a:effectRef>
+            <a:fontRef idx="minor">
+              <a:schemeClr val="lt1"/>
+            </a:fontRef>
+          </p:style>
+          <p:txBody>
+            <a:bodyPr rtlCol="0" anchor="ctr"/>
+            <a:lstStyle/>
+            <a:p>
+              <a:pPr algn="ctr"/>
+              <a:endParaRPr lang="en-US"/>
+            </a:p>
+          </p:txBody>
+        </p:sp>
+        <p:cxnSp>
+          <p:nvCxnSpPr>
+            <p:cNvPr id="234" name="Đường kết nối Mũi tên Thẳng 233">
+              <a:extLst>
+                <a:ext uri="{FF2B5EF4-FFF2-40B4-BE49-F238E27FC236}">
+                  <a16:creationId xmlns:a16="http://schemas.microsoft.com/office/drawing/2014/main" id="{D53B50CA-1B4D-47F0-86A4-F8A8E89D893C}"/>
+                </a:ext>
+              </a:extLst>
+            </p:cNvPr>
+            <p:cNvCxnSpPr>
+              <a:cxnSpLocks/>
+              <a:stCxn id="225" idx="4"/>
+              <a:endCxn id="233" idx="0"/>
+            </p:cNvCxnSpPr>
+            <p:nvPr/>
+          </p:nvCxnSpPr>
+          <p:spPr>
+            <a:xfrm flipH="1">
+              <a:off x="4299755" y="3467554"/>
+              <a:ext cx="1176" cy="372742"/>
+            </a:xfrm>
+            <a:prstGeom prst="straightConnector1">
+              <a:avLst/>
+            </a:prstGeom>
+            <a:ln>
+              <a:tailEnd type="triangle"/>
+            </a:ln>
+          </p:spPr>
+          <p:style>
+            <a:lnRef idx="3">
+              <a:schemeClr val="dk1"/>
+            </a:lnRef>
+            <a:fillRef idx="0">
+              <a:schemeClr val="dk1"/>
+            </a:fillRef>
+            <a:effectRef idx="2">
+              <a:schemeClr val="dk1"/>
+            </a:effectRef>
+            <a:fontRef idx="minor">
+              <a:schemeClr val="tx1"/>
+            </a:fontRef>
+          </p:style>
+        </p:cxnSp>
+        <p:cxnSp>
+          <p:nvCxnSpPr>
+            <p:cNvPr id="235" name="Đường kết nối Mũi tên Thẳng 234">
+              <a:extLst>
+                <a:ext uri="{FF2B5EF4-FFF2-40B4-BE49-F238E27FC236}">
+                  <a16:creationId xmlns:a16="http://schemas.microsoft.com/office/drawing/2014/main" id="{FD4C9402-E999-4705-B9BA-54BA08389176}"/>
+                </a:ext>
+              </a:extLst>
+            </p:cNvPr>
+            <p:cNvCxnSpPr>
+              <a:cxnSpLocks/>
+              <a:stCxn id="233" idx="4"/>
+              <a:endCxn id="226" idx="0"/>
+            </p:cNvCxnSpPr>
+            <p:nvPr/>
+          </p:nvCxnSpPr>
+          <p:spPr>
+            <a:xfrm>
+              <a:off x="4299755" y="4373696"/>
+              <a:ext cx="1176" cy="340842"/>
+            </a:xfrm>
+            <a:prstGeom prst="straightConnector1">
+              <a:avLst/>
+            </a:prstGeom>
+            <a:ln>
+              <a:tailEnd type="triangle"/>
+            </a:ln>
+          </p:spPr>
+          <p:style>
+            <a:lnRef idx="3">
+              <a:schemeClr val="dk1"/>
+            </a:lnRef>
+            <a:fillRef idx="0">
+              <a:schemeClr val="dk1"/>
+            </a:fillRef>
+            <a:effectRef idx="2">
+              <a:schemeClr val="dk1"/>
+            </a:effectRef>
+            <a:fontRef idx="minor">
+              <a:schemeClr val="tx1"/>
+            </a:fontRef>
+          </p:style>
+        </p:cxnSp>
+      </p:grpSp>
+      <p:grpSp>
+        <p:nvGrpSpPr>
+          <p:cNvPr id="303" name="Nhóm 302">
+            <a:extLst>
+              <a:ext uri="{FF2B5EF4-FFF2-40B4-BE49-F238E27FC236}">
+                <a16:creationId xmlns:a16="http://schemas.microsoft.com/office/drawing/2014/main" id="{AE856C1D-3131-49DB-B4B3-1454921C5DC4}"/>
+              </a:ext>
+            </a:extLst>
+          </p:cNvPr>
+          <p:cNvGrpSpPr/>
+          <p:nvPr/>
+        </p:nvGrpSpPr>
+        <p:grpSpPr>
+          <a:xfrm>
+            <a:off x="8551663" y="2542098"/>
+            <a:ext cx="1599764" cy="3097895"/>
+            <a:chOff x="8551619" y="2553154"/>
+            <a:chExt cx="1599764" cy="3097895"/>
+          </a:xfrm>
+        </p:grpSpPr>
+        <p:cxnSp>
+          <p:nvCxnSpPr>
+            <p:cNvPr id="247" name="Đường kết nối Mũi tên Thẳng 246">
+              <a:extLst>
+                <a:ext uri="{FF2B5EF4-FFF2-40B4-BE49-F238E27FC236}">
+                  <a16:creationId xmlns:a16="http://schemas.microsoft.com/office/drawing/2014/main" id="{08540BC2-ACD1-43F1-929A-8EB53AD9938A}"/>
+                </a:ext>
+              </a:extLst>
+            </p:cNvPr>
+            <p:cNvCxnSpPr>
+              <a:stCxn id="14" idx="4"/>
+              <a:endCxn id="47" idx="0"/>
+            </p:cNvCxnSpPr>
+            <p:nvPr/>
+          </p:nvCxnSpPr>
+          <p:spPr>
+            <a:xfrm flipH="1">
+              <a:off x="8811946" y="3086554"/>
+              <a:ext cx="3486" cy="265330"/>
+            </a:xfrm>
+            <a:prstGeom prst="straightConnector1">
+              <a:avLst/>
+            </a:prstGeom>
+            <a:ln>
+              <a:tailEnd type="triangle"/>
+            </a:ln>
+          </p:spPr>
+          <p:style>
+            <a:lnRef idx="3">
+              <a:schemeClr val="dk1"/>
+            </a:lnRef>
+            <a:fillRef idx="0">
+              <a:schemeClr val="dk1"/>
+            </a:fillRef>
+            <a:effectRef idx="2">
+              <a:schemeClr val="dk1"/>
+            </a:effectRef>
+            <a:fontRef idx="minor">
+              <a:schemeClr val="tx1"/>
+            </a:fontRef>
+          </p:style>
+        </p:cxnSp>
+        <p:cxnSp>
+          <p:nvCxnSpPr>
+            <p:cNvPr id="249" name="Đường kết nối Mũi tên Thẳng 248">
+              <a:extLst>
+                <a:ext uri="{FF2B5EF4-FFF2-40B4-BE49-F238E27FC236}">
+                  <a16:creationId xmlns:a16="http://schemas.microsoft.com/office/drawing/2014/main" id="{1226CE2B-5C3B-451D-845A-E819A382B34A}"/>
+                </a:ext>
+              </a:extLst>
+            </p:cNvPr>
+            <p:cNvCxnSpPr>
+              <a:stCxn id="47" idx="4"/>
+              <a:endCxn id="56" idx="0"/>
+            </p:cNvCxnSpPr>
+            <p:nvPr/>
+          </p:nvCxnSpPr>
+          <p:spPr>
+            <a:xfrm>
+              <a:off x="8811946" y="3885284"/>
+              <a:ext cx="475" cy="265330"/>
+            </a:xfrm>
+            <a:prstGeom prst="straightConnector1">
+              <a:avLst/>
+            </a:prstGeom>
+            <a:ln>
+              <a:tailEnd type="triangle"/>
+            </a:ln>
+          </p:spPr>
+          <p:style>
+            <a:lnRef idx="3">
+              <a:schemeClr val="dk1"/>
+            </a:lnRef>
+            <a:fillRef idx="0">
+              <a:schemeClr val="dk1"/>
+            </a:fillRef>
+            <a:effectRef idx="2">
+              <a:schemeClr val="dk1"/>
+            </a:effectRef>
+            <a:fontRef idx="minor">
+              <a:schemeClr val="tx1"/>
+            </a:fontRef>
+          </p:style>
+        </p:cxnSp>
+        <p:cxnSp>
+          <p:nvCxnSpPr>
+            <p:cNvPr id="251" name="Đường kết nối Mũi tên Thẳng 250">
+              <a:extLst>
+                <a:ext uri="{FF2B5EF4-FFF2-40B4-BE49-F238E27FC236}">
+                  <a16:creationId xmlns:a16="http://schemas.microsoft.com/office/drawing/2014/main" id="{35F63835-C527-44F6-ADBF-6128E944ADB7}"/>
+                </a:ext>
+              </a:extLst>
+            </p:cNvPr>
+            <p:cNvCxnSpPr>
+              <a:stCxn id="56" idx="4"/>
+              <a:endCxn id="15" idx="0"/>
+            </p:cNvCxnSpPr>
+            <p:nvPr/>
+          </p:nvCxnSpPr>
+          <p:spPr>
+            <a:xfrm flipH="1">
+              <a:off x="8811968" y="4684014"/>
+              <a:ext cx="453" cy="255798"/>
+            </a:xfrm>
+            <a:prstGeom prst="straightConnector1">
+              <a:avLst/>
+            </a:prstGeom>
+            <a:ln>
+              <a:tailEnd type="triangle"/>
+            </a:ln>
+          </p:spPr>
+          <p:style>
+            <a:lnRef idx="3">
+              <a:schemeClr val="dk1"/>
+            </a:lnRef>
+            <a:fillRef idx="0">
+              <a:schemeClr val="dk1"/>
+            </a:fillRef>
+            <a:effectRef idx="2">
+              <a:schemeClr val="dk1"/>
+            </a:effectRef>
+            <a:fontRef idx="minor">
+              <a:schemeClr val="tx1"/>
+            </a:fontRef>
+          </p:style>
+        </p:cxnSp>
+        <p:grpSp>
+          <p:nvGrpSpPr>
+            <p:cNvPr id="302" name="Nhóm 301">
+              <a:extLst>
+                <a:ext uri="{FF2B5EF4-FFF2-40B4-BE49-F238E27FC236}">
+                  <a16:creationId xmlns:a16="http://schemas.microsoft.com/office/drawing/2014/main" id="{C2C85FC0-2029-441D-BD8F-910E8463C56A}"/>
+                </a:ext>
+              </a:extLst>
+            </p:cNvPr>
+            <p:cNvGrpSpPr/>
+            <p:nvPr/>
+          </p:nvGrpSpPr>
+          <p:grpSpPr>
+            <a:xfrm>
+              <a:off x="8551619" y="2553154"/>
+              <a:ext cx="1599764" cy="3097895"/>
+              <a:chOff x="8551619" y="2553154"/>
+              <a:chExt cx="1599764" cy="3097895"/>
+            </a:xfrm>
+          </p:grpSpPr>
+          <p:sp>
+            <p:nvSpPr>
+              <p:cNvPr id="14" name="Hình Bầu dục 13">
+                <a:extLst>
+                  <a:ext uri="{FF2B5EF4-FFF2-40B4-BE49-F238E27FC236}">
+                    <a16:creationId xmlns:a16="http://schemas.microsoft.com/office/drawing/2014/main" id="{8E193AF8-C53C-4319-A2F9-90EB4B7CC983}"/>
+                  </a:ext>
+                </a:extLst>
+              </p:cNvPr>
+              <p:cNvSpPr/>
+              <p:nvPr/>
+            </p:nvSpPr>
+            <p:spPr>
+              <a:xfrm>
+                <a:off x="8555083" y="2553154"/>
+                <a:ext cx="520698" cy="533400"/>
+              </a:xfrm>
+              <a:prstGeom prst="ellipse">
+                <a:avLst/>
+              </a:prstGeom>
+            </p:spPr>
+            <p:style>
+              <a:lnRef idx="2">
+                <a:schemeClr val="accent1">
+                  <a:shade val="50000"/>
+                </a:schemeClr>
+              </a:lnRef>
+              <a:fillRef idx="1">
+                <a:schemeClr val="accent1"/>
+              </a:fillRef>
+              <a:effectRef idx="0">
+                <a:schemeClr val="accent1"/>
+              </a:effectRef>
+              <a:fontRef idx="minor">
+                <a:schemeClr val="lt1"/>
+              </a:fontRef>
+            </p:style>
+            <p:txBody>
+              <a:bodyPr rtlCol="0" anchor="ctr"/>
+              <a:lstStyle/>
+              <a:p>
+                <a:pPr algn="ctr"/>
+                <a:endParaRPr lang="en-US" dirty="0"/>
+              </a:p>
+            </p:txBody>
+          </p:sp>
+          <p:sp>
+            <p:nvSpPr>
+              <p:cNvPr id="15" name="Hình Bầu dục 14">
+                <a:extLst>
+                  <a:ext uri="{FF2B5EF4-FFF2-40B4-BE49-F238E27FC236}">
+                    <a16:creationId xmlns:a16="http://schemas.microsoft.com/office/drawing/2014/main" id="{3270CCCC-CBF4-4CAF-ABC9-76E58527CFCE}"/>
+                  </a:ext>
+                </a:extLst>
+              </p:cNvPr>
+              <p:cNvSpPr/>
+              <p:nvPr/>
+            </p:nvSpPr>
+            <p:spPr>
+              <a:xfrm>
+                <a:off x="8551619" y="4939812"/>
+                <a:ext cx="520698" cy="533400"/>
+              </a:xfrm>
+              <a:prstGeom prst="ellipse">
+                <a:avLst/>
+              </a:prstGeom>
+            </p:spPr>
+            <p:style>
+              <a:lnRef idx="2">
+                <a:schemeClr val="accent1">
+                  <a:shade val="50000"/>
+                </a:schemeClr>
+              </a:lnRef>
+              <a:fillRef idx="1">
+                <a:schemeClr val="accent1"/>
+              </a:fillRef>
+              <a:effectRef idx="0">
+                <a:schemeClr val="accent1"/>
+              </a:effectRef>
+              <a:fontRef idx="minor">
+                <a:schemeClr val="lt1"/>
+              </a:fontRef>
+            </p:style>
+            <p:txBody>
+              <a:bodyPr rtlCol="0" anchor="ctr"/>
+              <a:lstStyle/>
+              <a:p>
+                <a:pPr algn="ctr"/>
+                <a:endParaRPr lang="en-US"/>
+              </a:p>
+            </p:txBody>
+          </p:sp>
+          <p:sp>
+            <p:nvSpPr>
+              <p:cNvPr id="47" name="Hình Bầu dục 46">
+                <a:extLst>
+                  <a:ext uri="{FF2B5EF4-FFF2-40B4-BE49-F238E27FC236}">
+                    <a16:creationId xmlns:a16="http://schemas.microsoft.com/office/drawing/2014/main" id="{48C0457E-A9A6-487C-ADF1-6254A8313860}"/>
+                  </a:ext>
+                </a:extLst>
+              </p:cNvPr>
+              <p:cNvSpPr/>
+              <p:nvPr/>
+            </p:nvSpPr>
+            <p:spPr>
+              <a:xfrm>
+                <a:off x="8551619" y="3351884"/>
+                <a:ext cx="520654" cy="533400"/>
+              </a:xfrm>
+              <a:prstGeom prst="ellipse">
+                <a:avLst/>
+              </a:prstGeom>
+            </p:spPr>
+            <p:style>
+              <a:lnRef idx="2">
+                <a:schemeClr val="accent1">
+                  <a:shade val="50000"/>
+                </a:schemeClr>
+              </a:lnRef>
+              <a:fillRef idx="1">
+                <a:schemeClr val="accent1"/>
+              </a:fillRef>
+              <a:effectRef idx="0">
+                <a:schemeClr val="accent1"/>
+              </a:effectRef>
+              <a:fontRef idx="minor">
+                <a:schemeClr val="lt1"/>
+              </a:fontRef>
+            </p:style>
+            <p:txBody>
+              <a:bodyPr rtlCol="0" anchor="ctr"/>
+              <a:lstStyle/>
+              <a:p>
+                <a:pPr algn="ctr"/>
+                <a:endParaRPr lang="en-US"/>
+              </a:p>
+            </p:txBody>
+          </p:sp>
+          <p:sp>
+            <p:nvSpPr>
+              <p:cNvPr id="56" name="Hình Bầu dục 55">
+                <a:extLst>
+                  <a:ext uri="{FF2B5EF4-FFF2-40B4-BE49-F238E27FC236}">
+                    <a16:creationId xmlns:a16="http://schemas.microsoft.com/office/drawing/2014/main" id="{2F3F399A-7A8C-4ED6-91D8-9FFCD0FE2204}"/>
+                  </a:ext>
+                </a:extLst>
+              </p:cNvPr>
+              <p:cNvSpPr/>
+              <p:nvPr/>
+            </p:nvSpPr>
+            <p:spPr>
+              <a:xfrm>
+                <a:off x="8552074" y="4150614"/>
+                <a:ext cx="520693" cy="533400"/>
+              </a:xfrm>
+              <a:prstGeom prst="ellipse">
+                <a:avLst/>
+              </a:prstGeom>
+            </p:spPr>
+            <p:style>
+              <a:lnRef idx="2">
+                <a:schemeClr val="accent1">
+                  <a:shade val="50000"/>
+                </a:schemeClr>
+              </a:lnRef>
+              <a:fillRef idx="1">
+                <a:schemeClr val="accent1"/>
+              </a:fillRef>
+              <a:effectRef idx="0">
+                <a:schemeClr val="accent1"/>
+              </a:effectRef>
+              <a:fontRef idx="minor">
+                <a:schemeClr val="lt1"/>
+              </a:fontRef>
+            </p:style>
+            <p:txBody>
+              <a:bodyPr rtlCol="0" anchor="ctr"/>
+              <a:lstStyle/>
+              <a:p>
+                <a:pPr algn="ctr"/>
+                <a:endParaRPr lang="en-US"/>
+              </a:p>
+            </p:txBody>
+          </p:sp>
+          <p:cxnSp>
+            <p:nvCxnSpPr>
+              <p:cNvPr id="261" name="Đường kết nối: Cong 260">
+                <a:extLst>
+                  <a:ext uri="{FF2B5EF4-FFF2-40B4-BE49-F238E27FC236}">
+                    <a16:creationId xmlns:a16="http://schemas.microsoft.com/office/drawing/2014/main" id="{37A87D36-A5A1-4A61-A88C-092C5ADDB5FA}"/>
+                  </a:ext>
+                </a:extLst>
+              </p:cNvPr>
+              <p:cNvCxnSpPr>
+                <a:cxnSpLocks/>
+                <a:stCxn id="15" idx="2"/>
+                <a:endCxn id="47" idx="2"/>
+              </p:cNvCxnSpPr>
+              <p:nvPr/>
+            </p:nvCxnSpPr>
+            <p:spPr>
+              <a:xfrm rot="10800000">
+                <a:off x="8551619" y="3618584"/>
+                <a:ext cx="12700" cy="1587928"/>
+              </a:xfrm>
+              <a:prstGeom prst="curvedConnector3">
+                <a:avLst>
+                  <a:gd name="adj1" fmla="val 3436362"/>
+                </a:avLst>
+              </a:prstGeom>
+              <a:ln>
+                <a:tailEnd type="triangle"/>
+              </a:ln>
+            </p:spPr>
+            <p:style>
+              <a:lnRef idx="3">
+                <a:schemeClr val="dk1"/>
+              </a:lnRef>
+              <a:fillRef idx="0">
+                <a:schemeClr val="dk1"/>
+              </a:fillRef>
+              <a:effectRef idx="2">
+                <a:schemeClr val="dk1"/>
+              </a:effectRef>
+              <a:fontRef idx="minor">
+                <a:schemeClr val="tx1"/>
+              </a:fontRef>
+            </p:style>
+          </p:cxnSp>
+          <p:sp>
+            <p:nvSpPr>
+              <p:cNvPr id="274" name="Hình Bầu dục 273">
+                <a:extLst>
+                  <a:ext uri="{FF2B5EF4-FFF2-40B4-BE49-F238E27FC236}">
+                    <a16:creationId xmlns:a16="http://schemas.microsoft.com/office/drawing/2014/main" id="{5D3BEE8E-60AC-49A4-A8BD-5B72911D2367}"/>
+                  </a:ext>
+                </a:extLst>
+              </p:cNvPr>
+              <p:cNvSpPr/>
+              <p:nvPr/>
+            </p:nvSpPr>
+            <p:spPr>
+              <a:xfrm>
+                <a:off x="9630685" y="5117649"/>
+                <a:ext cx="520698" cy="533400"/>
+              </a:xfrm>
+              <a:prstGeom prst="ellipse">
+                <a:avLst/>
+              </a:prstGeom>
+            </p:spPr>
+            <p:style>
+              <a:lnRef idx="2">
+                <a:schemeClr val="accent1">
+                  <a:shade val="50000"/>
+                </a:schemeClr>
+              </a:lnRef>
+              <a:fillRef idx="1">
+                <a:schemeClr val="accent1"/>
+              </a:fillRef>
+              <a:effectRef idx="0">
+                <a:schemeClr val="accent1"/>
+              </a:effectRef>
+              <a:fontRef idx="minor">
+                <a:schemeClr val="lt1"/>
+              </a:fontRef>
+            </p:style>
+            <p:txBody>
+              <a:bodyPr rtlCol="0" anchor="ctr"/>
+              <a:lstStyle/>
+              <a:p>
+                <a:pPr algn="ctr"/>
+                <a:endParaRPr lang="en-US"/>
+              </a:p>
+            </p:txBody>
+          </p:sp>
+          <p:cxnSp>
+            <p:nvCxnSpPr>
+              <p:cNvPr id="284" name="Đường kết nối: Cong 283">
+                <a:extLst>
+                  <a:ext uri="{FF2B5EF4-FFF2-40B4-BE49-F238E27FC236}">
+                    <a16:creationId xmlns:a16="http://schemas.microsoft.com/office/drawing/2014/main" id="{2FD5E708-FCF4-4807-B30B-B22EA5E39F1D}"/>
+                  </a:ext>
+                </a:extLst>
+              </p:cNvPr>
+              <p:cNvCxnSpPr>
+                <a:stCxn id="47" idx="6"/>
+                <a:endCxn id="274" idx="0"/>
+              </p:cNvCxnSpPr>
+              <p:nvPr/>
+            </p:nvCxnSpPr>
+            <p:spPr>
+              <a:xfrm>
+                <a:off x="9072273" y="3618584"/>
+                <a:ext cx="818761" cy="1499065"/>
+              </a:xfrm>
+              <a:prstGeom prst="curvedConnector2">
+                <a:avLst/>
+              </a:prstGeom>
+              <a:ln>
+                <a:tailEnd type="triangle"/>
+              </a:ln>
+            </p:spPr>
+            <p:style>
+              <a:lnRef idx="3">
+                <a:schemeClr val="dk1"/>
+              </a:lnRef>
+              <a:fillRef idx="0">
+                <a:schemeClr val="dk1"/>
+              </a:fillRef>
+              <a:effectRef idx="2">
+                <a:schemeClr val="dk1"/>
+              </a:effectRef>
+              <a:fontRef idx="minor">
+                <a:schemeClr val="tx1"/>
+              </a:fontRef>
+            </p:style>
+          </p:cxnSp>
+        </p:grpSp>
+      </p:grpSp>
+    </p:spTree>
+    <p:extLst>
+      <p:ext uri="{BB962C8B-B14F-4D97-AF65-F5344CB8AC3E}">
+        <p14:creationId xmlns:p14="http://schemas.microsoft.com/office/powerpoint/2010/main" val="842350629"/>
+      </p:ext>
+    </p:extLst>
+  </p:cSld>
+  <p:clrMapOvr>
+    <a:masterClrMapping/>
+  </p:clrMapOvr>
+</p:sld>
+</file>
+
+<file path=ppt/slides/slide7.xml><?xml version="1.0" encoding="utf-8"?>
+<p:sld xmlns:a="http://schemas.openxmlformats.org/drawingml/2006/main" xmlns:r="http://schemas.openxmlformats.org/officeDocument/2006/relationships" xmlns:p="http://schemas.openxmlformats.org/presentationml/2006/main">
+  <p:cSld>
+    <p:spTree>
+      <p:nvGrpSpPr>
+        <p:cNvPr id="1" name=""/>
+        <p:cNvGrpSpPr/>
+        <p:nvPr/>
+      </p:nvGrpSpPr>
+      <p:grpSpPr>
+        <a:xfrm>
+          <a:off x="0" y="0"/>
+          <a:ext cx="0" cy="0"/>
+          <a:chOff x="0" y="0"/>
+          <a:chExt cx="0" cy="0"/>
+        </a:xfrm>
+      </p:grpSpPr>
+      <p:sp>
+        <p:nvSpPr>
+          <p:cNvPr id="4" name="Tiêu đề 3">
+            <a:extLst>
+              <a:ext uri="{FF2B5EF4-FFF2-40B4-BE49-F238E27FC236}">
+                <a16:creationId xmlns:a16="http://schemas.microsoft.com/office/drawing/2014/main" id="{9349F6A1-C8F1-4EBD-9BA0-6E8B27592A29}"/>
+              </a:ext>
+            </a:extLst>
+          </p:cNvPr>
+          <p:cNvSpPr>
+            <a:spLocks noGrp="1"/>
+          </p:cNvSpPr>
+          <p:nvPr>
+            <p:ph type="title"/>
+          </p:nvPr>
+        </p:nvSpPr>
+        <p:spPr>
+          <a:xfrm>
+            <a:off x="913775" y="618519"/>
+            <a:ext cx="7963525" cy="429043"/>
+          </a:xfrm>
+        </p:spPr>
+        <p:txBody>
+          <a:bodyPr>
+            <a:noAutofit/>
+          </a:bodyPr>
+          <a:lstStyle/>
+          <a:p>
+            <a:pPr algn="l"/>
+            <a:r>
+              <a:rPr lang="en-US" dirty="0">
+                <a:latin typeface="Calibri" panose="020F0502020204030204" pitchFamily="34" charset="0"/>
+                <a:cs typeface="Calibri" panose="020F0502020204030204" pitchFamily="34" charset="0"/>
+              </a:rPr>
+              <a:t>PH</a:t>
+            </a:r>
+            <a:r>
+              <a:rPr lang="vi-VN" dirty="0">
+                <a:latin typeface="Calibri" panose="020F0502020204030204" pitchFamily="34" charset="0"/>
+                <a:cs typeface="Calibri" panose="020F0502020204030204" pitchFamily="34" charset="0"/>
+              </a:rPr>
+              <a:t>Ư</a:t>
+            </a:r>
+            <a:r>
+              <a:rPr lang="en-US" dirty="0">
+                <a:latin typeface="Calibri" panose="020F0502020204030204" pitchFamily="34" charset="0"/>
+                <a:cs typeface="Calibri" panose="020F0502020204030204" pitchFamily="34" charset="0"/>
+              </a:rPr>
+              <a:t>ƠNG PHÁP Đ</a:t>
+            </a:r>
+            <a:r>
+              <a:rPr lang="vi-VN" dirty="0">
+                <a:latin typeface="Calibri" panose="020F0502020204030204" pitchFamily="34" charset="0"/>
+                <a:cs typeface="Calibri" panose="020F0502020204030204" pitchFamily="34" charset="0"/>
+              </a:rPr>
+              <a:t>Ư</a:t>
+            </a:r>
+            <a:r>
+              <a:rPr lang="en-US" dirty="0">
+                <a:latin typeface="Calibri" panose="020F0502020204030204" pitchFamily="34" charset="0"/>
+                <a:cs typeface="Calibri" panose="020F0502020204030204" pitchFamily="34" charset="0"/>
+              </a:rPr>
+              <a:t>ỜNG DẪN C</a:t>
+            </a:r>
+            <a:r>
+              <a:rPr lang="vi-VN" dirty="0">
+                <a:latin typeface="Calibri" panose="020F0502020204030204" pitchFamily="34" charset="0"/>
+                <a:cs typeface="Calibri" panose="020F0502020204030204" pitchFamily="34" charset="0"/>
+              </a:rPr>
+              <a:t>Ơ</a:t>
+            </a:r>
+            <a:r>
+              <a:rPr lang="en-US" dirty="0">
+                <a:latin typeface="Calibri" panose="020F0502020204030204" pitchFamily="34" charset="0"/>
+                <a:cs typeface="Calibri" panose="020F0502020204030204" pitchFamily="34" charset="0"/>
+              </a:rPr>
+              <a:t> SỞ</a:t>
+            </a:r>
+            <a:endParaRPr lang="en-US" dirty="0"/>
+          </a:p>
+        </p:txBody>
+      </p:sp>
+      <p:sp>
+        <p:nvSpPr>
+          <p:cNvPr id="5" name="Chỗ dành sẵn cho Nội dung 4">
+            <a:extLst>
+              <a:ext uri="{FF2B5EF4-FFF2-40B4-BE49-F238E27FC236}">
+                <a16:creationId xmlns:a16="http://schemas.microsoft.com/office/drawing/2014/main" id="{44C270DD-8AA0-4590-9349-0A7FF2242FCA}"/>
+              </a:ext>
+            </a:extLst>
+          </p:cNvPr>
+          <p:cNvSpPr>
+            <a:spLocks noGrp="1"/>
+          </p:cNvSpPr>
+          <p:nvPr>
+            <p:ph sz="quarter" idx="13"/>
+          </p:nvPr>
+        </p:nvSpPr>
+        <p:spPr>
+          <a:xfrm>
+            <a:off x="913774" y="2122054"/>
+            <a:ext cx="10364452" cy="4597400"/>
+          </a:xfrm>
+        </p:spPr>
+        <p:txBody>
+          <a:bodyPr>
+            <a:noAutofit/>
+          </a:bodyPr>
+          <a:lstStyle/>
+          <a:p>
+            <a:pPr marL="0" indent="0">
+              <a:buNone/>
+            </a:pPr>
+            <a:r>
+              <a:rPr lang="vi-VN" sz="3000" cap="none" dirty="0" err="1">
+                <a:latin typeface="Times New Roman" panose="02020603050405020304" pitchFamily="18" charset="0"/>
+                <a:cs typeface="Times New Roman" panose="02020603050405020304" pitchFamily="18" charset="0"/>
+              </a:rPr>
+              <a:t>Ví</a:t>
+            </a:r>
+            <a:r>
+              <a:rPr lang="vi-VN" sz="3000" cap="none" dirty="0">
+                <a:latin typeface="Times New Roman" panose="02020603050405020304" pitchFamily="18" charset="0"/>
+                <a:cs typeface="Times New Roman" panose="02020603050405020304" pitchFamily="18" charset="0"/>
+              </a:rPr>
+              <a:t> </a:t>
+            </a:r>
+            <a:r>
+              <a:rPr lang="vi-VN" sz="3000" cap="none" dirty="0" err="1">
+                <a:latin typeface="Times New Roman" panose="02020603050405020304" pitchFamily="18" charset="0"/>
+                <a:cs typeface="Times New Roman" panose="02020603050405020304" pitchFamily="18" charset="0"/>
+              </a:rPr>
+              <a:t>dụ</a:t>
+            </a:r>
+            <a:r>
+              <a:rPr lang="vi-VN" sz="3000" cap="none" dirty="0">
+                <a:latin typeface="Times New Roman" panose="02020603050405020304" pitchFamily="18" charset="0"/>
+                <a:cs typeface="Times New Roman" panose="02020603050405020304" pitchFamily="18" charset="0"/>
+              </a:rPr>
+              <a:t>:</a:t>
+            </a:r>
+          </a:p>
+          <a:p>
+            <a:pPr>
+              <a:buFont typeface="Courier New" panose="02070309020205020404" pitchFamily="49" charset="0"/>
+              <a:buChar char="o"/>
+            </a:pPr>
+            <a:r>
+              <a:rPr lang="vi-VN" sz="3000" cap="none" dirty="0">
+                <a:latin typeface="Times New Roman" panose="02020603050405020304" pitchFamily="18" charset="0"/>
+                <a:cs typeface="Times New Roman" panose="02020603050405020304" pitchFamily="18" charset="0"/>
+              </a:rPr>
+              <a:t> 1 : </a:t>
+            </a:r>
+            <a:r>
+              <a:rPr lang="vi-VN" sz="3000" cap="none" dirty="0" err="1">
+                <a:latin typeface="Times New Roman" panose="02020603050405020304" pitchFamily="18" charset="0"/>
+                <a:cs typeface="Times New Roman" panose="02020603050405020304" pitchFamily="18" charset="0"/>
+              </a:rPr>
+              <a:t>max</a:t>
+            </a:r>
+            <a:r>
+              <a:rPr lang="vi-VN" sz="3000" cap="none" dirty="0">
+                <a:latin typeface="Times New Roman" panose="02020603050405020304" pitchFamily="18" charset="0"/>
+                <a:cs typeface="Times New Roman" panose="02020603050405020304" pitchFamily="18" charset="0"/>
+              </a:rPr>
+              <a:t> := A</a:t>
+            </a:r>
+          </a:p>
+          <a:p>
+            <a:pPr>
+              <a:buFont typeface="Courier New" panose="02070309020205020404" pitchFamily="49" charset="0"/>
+              <a:buChar char="o"/>
+            </a:pPr>
+            <a:r>
+              <a:rPr lang="vi-VN" sz="3000" cap="none" dirty="0">
+                <a:latin typeface="Times New Roman" panose="02020603050405020304" pitchFamily="18" charset="0"/>
+                <a:cs typeface="Times New Roman" panose="02020603050405020304" pitchFamily="18" charset="0"/>
+              </a:rPr>
+              <a:t> 2 : </a:t>
+            </a:r>
+            <a:r>
+              <a:rPr lang="vi-VN" sz="3000" cap="none" dirty="0" err="1">
+                <a:latin typeface="Times New Roman" panose="02020603050405020304" pitchFamily="18" charset="0"/>
+                <a:cs typeface="Times New Roman" panose="02020603050405020304" pitchFamily="18" charset="0"/>
+              </a:rPr>
+              <a:t>if</a:t>
+            </a:r>
+            <a:r>
+              <a:rPr lang="vi-VN" sz="3000" cap="none" dirty="0">
+                <a:latin typeface="Times New Roman" panose="02020603050405020304" pitchFamily="18" charset="0"/>
+                <a:cs typeface="Times New Roman" panose="02020603050405020304" pitchFamily="18" charset="0"/>
+              </a:rPr>
+              <a:t> B &gt; </a:t>
+            </a:r>
+            <a:r>
+              <a:rPr lang="vi-VN" sz="3000" cap="none" dirty="0" err="1">
+                <a:latin typeface="Times New Roman" panose="02020603050405020304" pitchFamily="18" charset="0"/>
+                <a:cs typeface="Times New Roman" panose="02020603050405020304" pitchFamily="18" charset="0"/>
+              </a:rPr>
+              <a:t>max</a:t>
+            </a:r>
+            <a:endParaRPr lang="vi-VN" sz="3000" cap="none" dirty="0">
+              <a:latin typeface="Times New Roman" panose="02020603050405020304" pitchFamily="18" charset="0"/>
+              <a:cs typeface="Times New Roman" panose="02020603050405020304" pitchFamily="18" charset="0"/>
+            </a:endParaRPr>
+          </a:p>
+          <a:p>
+            <a:pPr>
+              <a:buFont typeface="Courier New" panose="02070309020205020404" pitchFamily="49" charset="0"/>
+              <a:buChar char="o"/>
+            </a:pPr>
+            <a:r>
+              <a:rPr lang="vi-VN" sz="3000" cap="none" dirty="0">
+                <a:latin typeface="Times New Roman" panose="02020603050405020304" pitchFamily="18" charset="0"/>
+                <a:cs typeface="Times New Roman" panose="02020603050405020304" pitchFamily="18" charset="0"/>
+              </a:rPr>
+              <a:t> 3 :     then </a:t>
+            </a:r>
+            <a:r>
+              <a:rPr lang="vi-VN" sz="3000" cap="none" dirty="0" err="1">
+                <a:latin typeface="Times New Roman" panose="02020603050405020304" pitchFamily="18" charset="0"/>
+                <a:cs typeface="Times New Roman" panose="02020603050405020304" pitchFamily="18" charset="0"/>
+              </a:rPr>
+              <a:t>max</a:t>
+            </a:r>
+            <a:r>
+              <a:rPr lang="vi-VN" sz="3000" cap="none" dirty="0">
+                <a:latin typeface="Times New Roman" panose="02020603050405020304" pitchFamily="18" charset="0"/>
+                <a:cs typeface="Times New Roman" panose="02020603050405020304" pitchFamily="18" charset="0"/>
+              </a:rPr>
+              <a:t> := B</a:t>
+            </a:r>
+          </a:p>
+          <a:p>
+            <a:pPr>
+              <a:buFont typeface="Courier New" panose="02070309020205020404" pitchFamily="49" charset="0"/>
+              <a:buChar char="o"/>
+            </a:pPr>
+            <a:r>
+              <a:rPr lang="vi-VN" sz="3000" cap="none" dirty="0">
+                <a:latin typeface="Times New Roman" panose="02020603050405020304" pitchFamily="18" charset="0"/>
+                <a:cs typeface="Times New Roman" panose="02020603050405020304" pitchFamily="18" charset="0"/>
+              </a:rPr>
+              <a:t> 4 : </a:t>
+            </a:r>
+            <a:r>
+              <a:rPr lang="vi-VN" sz="3000" cap="none" dirty="0" err="1">
+                <a:latin typeface="Times New Roman" panose="02020603050405020304" pitchFamily="18" charset="0"/>
+                <a:cs typeface="Times New Roman" panose="02020603050405020304" pitchFamily="18" charset="0"/>
+              </a:rPr>
+              <a:t>if</a:t>
+            </a:r>
+            <a:r>
+              <a:rPr lang="vi-VN" sz="3000" cap="none" dirty="0">
+                <a:latin typeface="Times New Roman" panose="02020603050405020304" pitchFamily="18" charset="0"/>
+                <a:cs typeface="Times New Roman" panose="02020603050405020304" pitchFamily="18" charset="0"/>
+              </a:rPr>
+              <a:t> C &gt; </a:t>
+            </a:r>
+            <a:r>
+              <a:rPr lang="vi-VN" sz="3000" cap="none" dirty="0" err="1">
+                <a:latin typeface="Times New Roman" panose="02020603050405020304" pitchFamily="18" charset="0"/>
+                <a:cs typeface="Times New Roman" panose="02020603050405020304" pitchFamily="18" charset="0"/>
+              </a:rPr>
+              <a:t>max</a:t>
+            </a:r>
+            <a:endParaRPr lang="vi-VN" sz="3000" cap="none" dirty="0">
+              <a:latin typeface="Times New Roman" panose="02020603050405020304" pitchFamily="18" charset="0"/>
+              <a:cs typeface="Times New Roman" panose="02020603050405020304" pitchFamily="18" charset="0"/>
+            </a:endParaRPr>
+          </a:p>
+          <a:p>
+            <a:pPr>
+              <a:buFont typeface="Courier New" panose="02070309020205020404" pitchFamily="49" charset="0"/>
+              <a:buChar char="o"/>
+            </a:pPr>
+            <a:r>
+              <a:rPr lang="vi-VN" sz="3000" cap="none" dirty="0">
+                <a:latin typeface="Times New Roman" panose="02020603050405020304" pitchFamily="18" charset="0"/>
+                <a:cs typeface="Times New Roman" panose="02020603050405020304" pitchFamily="18" charset="0"/>
+              </a:rPr>
+              <a:t> 5 :     then </a:t>
+            </a:r>
+            <a:r>
+              <a:rPr lang="vi-VN" sz="3000" cap="none" dirty="0" err="1">
+                <a:latin typeface="Times New Roman" panose="02020603050405020304" pitchFamily="18" charset="0"/>
+                <a:cs typeface="Times New Roman" panose="02020603050405020304" pitchFamily="18" charset="0"/>
+              </a:rPr>
+              <a:t>max</a:t>
+            </a:r>
+            <a:r>
+              <a:rPr lang="vi-VN" sz="3000" cap="none" dirty="0">
+                <a:latin typeface="Times New Roman" panose="02020603050405020304" pitchFamily="18" charset="0"/>
+                <a:cs typeface="Times New Roman" panose="02020603050405020304" pitchFamily="18" charset="0"/>
+              </a:rPr>
+              <a:t> := C</a:t>
+            </a:r>
+          </a:p>
+          <a:p>
+            <a:pPr>
+              <a:buFont typeface="Courier New" panose="02070309020205020404" pitchFamily="49" charset="0"/>
+              <a:buChar char="o"/>
+            </a:pPr>
+            <a:r>
+              <a:rPr lang="vi-VN" sz="3000" cap="none" dirty="0">
+                <a:latin typeface="Times New Roman" panose="02020603050405020304" pitchFamily="18" charset="0"/>
+                <a:cs typeface="Times New Roman" panose="02020603050405020304" pitchFamily="18" charset="0"/>
+              </a:rPr>
+              <a:t> 6 : </a:t>
+            </a:r>
+            <a:r>
+              <a:rPr lang="vi-VN" sz="3000" cap="none" dirty="0" err="1">
+                <a:latin typeface="Times New Roman" panose="02020603050405020304" pitchFamily="18" charset="0"/>
+                <a:cs typeface="Times New Roman" panose="02020603050405020304" pitchFamily="18" charset="0"/>
+              </a:rPr>
+              <a:t>print</a:t>
+            </a:r>
+            <a:r>
+              <a:rPr lang="vi-VN" sz="3000" cap="none" dirty="0">
+                <a:latin typeface="Times New Roman" panose="02020603050405020304" pitchFamily="18" charset="0"/>
+                <a:cs typeface="Times New Roman" panose="02020603050405020304" pitchFamily="18" charset="0"/>
+              </a:rPr>
+              <a:t> </a:t>
+            </a:r>
+            <a:r>
+              <a:rPr lang="vi-VN" sz="3000" cap="none" dirty="0" err="1">
+                <a:latin typeface="Times New Roman" panose="02020603050405020304" pitchFamily="18" charset="0"/>
+                <a:cs typeface="Times New Roman" panose="02020603050405020304" pitchFamily="18" charset="0"/>
+              </a:rPr>
+              <a:t>max</a:t>
+            </a:r>
+            <a:endParaRPr lang="vi-VN" sz="3000" cap="none" dirty="0">
+              <a:latin typeface="Times New Roman" panose="02020603050405020304" pitchFamily="18" charset="0"/>
+              <a:cs typeface="Times New Roman" panose="02020603050405020304" pitchFamily="18" charset="0"/>
+            </a:endParaRPr>
+          </a:p>
+        </p:txBody>
+      </p:sp>
+      <p:sp>
+        <p:nvSpPr>
+          <p:cNvPr id="6" name="Tiêu đề 3">
+            <a:extLst>
+              <a:ext uri="{FF2B5EF4-FFF2-40B4-BE49-F238E27FC236}">
+                <a16:creationId xmlns:a16="http://schemas.microsoft.com/office/drawing/2014/main" id="{27B11300-8A9D-437D-819C-FBA05B02F134}"/>
+              </a:ext>
+            </a:extLst>
+          </p:cNvPr>
+          <p:cNvSpPr txBox="1">
+            <a:spLocks/>
+          </p:cNvSpPr>
+          <p:nvPr/>
+        </p:nvSpPr>
+        <p:spPr>
+          <a:xfrm>
+            <a:off x="913774" y="1657988"/>
+            <a:ext cx="6335163" cy="322386"/>
+          </a:xfrm>
+          <a:prstGeom prst="rect">
+            <a:avLst/>
+          </a:prstGeom>
+        </p:spPr>
+        <p:txBody>
+          <a:bodyPr vert="horz" lIns="91440" tIns="45720" rIns="91440" bIns="45720" rtlCol="0" anchor="ctr">
+            <a:noAutofit/>
+          </a:bodyPr>
+          <a:lstStyle>
+            <a:lvl1pPr algn="ctr" defTabSz="914400" rtl="0" eaLnBrk="1" latinLnBrk="0" hangingPunct="1">
+              <a:lnSpc>
+                <a:spcPct val="90000"/>
+              </a:lnSpc>
+              <a:spcBef>
+                <a:spcPct val="0"/>
+              </a:spcBef>
+              <a:buNone/>
+              <a:defRPr sz="3600" kern="1200" cap="all" baseline="0">
+                <a:solidFill>
+                  <a:schemeClr val="tx1"/>
+                </a:solidFill>
+                <a:effectLst/>
+                <a:latin typeface="+mj-lt"/>
+                <a:ea typeface="+mj-ea"/>
+                <a:cs typeface="+mj-cs"/>
+              </a:defRPr>
+            </a:lvl1pPr>
+          </a:lstStyle>
+          <a:p>
+            <a:pPr algn="l"/>
+            <a:r>
+              <a:rPr lang="en-US" sz="3000" u="sng" dirty="0">
+                <a:latin typeface="Segoe UI" panose="020B0502040204020203" pitchFamily="34" charset="0"/>
+                <a:cs typeface="Segoe UI" panose="020B0502040204020203" pitchFamily="34" charset="0"/>
+              </a:rPr>
+              <a:t>I</a:t>
+            </a:r>
+            <a:r>
+              <a:rPr lang="vi-VN" sz="3000" u="sng" dirty="0">
+                <a:latin typeface="Segoe UI" panose="020B0502040204020203" pitchFamily="34" charset="0"/>
+                <a:cs typeface="Segoe UI" panose="020B0502040204020203" pitchFamily="34" charset="0"/>
+              </a:rPr>
+              <a:t>I</a:t>
+            </a:r>
+            <a:r>
+              <a:rPr lang="en-US" sz="3000" u="sng" dirty="0">
+                <a:latin typeface="Segoe UI" panose="020B0502040204020203" pitchFamily="34" charset="0"/>
+                <a:cs typeface="Segoe UI" panose="020B0502040204020203" pitchFamily="34" charset="0"/>
+              </a:rPr>
+              <a:t>.1. VẼ ĐỒ THỊ DÒNG ĐIỀU KHIỂN</a:t>
+            </a:r>
+          </a:p>
+        </p:txBody>
+      </p:sp>
+      <p:sp>
+        <p:nvSpPr>
+          <p:cNvPr id="40" name="Hình Bầu dục 39">
+            <a:extLst>
+              <a:ext uri="{FF2B5EF4-FFF2-40B4-BE49-F238E27FC236}">
+                <a16:creationId xmlns:a16="http://schemas.microsoft.com/office/drawing/2014/main" id="{68C17220-BFFB-446B-BEE0-532978080D8A}"/>
+              </a:ext>
+            </a:extLst>
+          </p:cNvPr>
+          <p:cNvSpPr/>
+          <p:nvPr/>
+        </p:nvSpPr>
+        <p:spPr>
+          <a:xfrm>
+            <a:off x="8924631" y="2371436"/>
+            <a:ext cx="533400" cy="546100"/>
+          </a:xfrm>
+          <a:prstGeom prst="ellipse">
+            <a:avLst/>
+          </a:prstGeom>
+        </p:spPr>
+        <p:style>
+          <a:lnRef idx="2">
+            <a:schemeClr val="accent1">
+              <a:shade val="50000"/>
+            </a:schemeClr>
+          </a:lnRef>
+          <a:fillRef idx="1">
+            <a:schemeClr val="accent1"/>
+          </a:fillRef>
+          <a:effectRef idx="0">
+            <a:schemeClr val="accent1"/>
+          </a:effectRef>
+          <a:fontRef idx="minor">
+            <a:schemeClr val="lt1"/>
+          </a:fontRef>
+        </p:style>
+        <p:txBody>
+          <a:bodyPr rtlCol="0" anchor="ctr"/>
+          <a:lstStyle/>
+          <a:p>
+            <a:pPr algn="ctr"/>
+            <a:r>
+              <a:rPr lang="en-US" dirty="0"/>
+              <a:t>1</a:t>
+            </a:r>
+          </a:p>
+        </p:txBody>
+      </p:sp>
+      <p:sp>
+        <p:nvSpPr>
+          <p:cNvPr id="41" name="Hình Bầu dục 40">
+            <a:extLst>
+              <a:ext uri="{FF2B5EF4-FFF2-40B4-BE49-F238E27FC236}">
+                <a16:creationId xmlns:a16="http://schemas.microsoft.com/office/drawing/2014/main" id="{99D50BCF-195D-4FCA-ABB4-A4D63265AA7C}"/>
+              </a:ext>
+            </a:extLst>
+          </p:cNvPr>
+          <p:cNvSpPr/>
+          <p:nvPr/>
+        </p:nvSpPr>
+        <p:spPr>
+          <a:xfrm>
+            <a:off x="8924631" y="3236500"/>
+            <a:ext cx="533400" cy="546100"/>
+          </a:xfrm>
+          <a:prstGeom prst="ellipse">
+            <a:avLst/>
+          </a:prstGeom>
+        </p:spPr>
+        <p:style>
+          <a:lnRef idx="2">
+            <a:schemeClr val="accent1">
+              <a:shade val="50000"/>
+            </a:schemeClr>
+          </a:lnRef>
+          <a:fillRef idx="1">
+            <a:schemeClr val="accent1"/>
+          </a:fillRef>
+          <a:effectRef idx="0">
+            <a:schemeClr val="accent1"/>
+          </a:effectRef>
+          <a:fontRef idx="minor">
+            <a:schemeClr val="lt1"/>
+          </a:fontRef>
+        </p:style>
+        <p:txBody>
+          <a:bodyPr rtlCol="0" anchor="ctr"/>
+          <a:lstStyle/>
+          <a:p>
+            <a:pPr algn="ctr"/>
+            <a:r>
+              <a:rPr lang="vi-VN" dirty="0"/>
+              <a:t>2</a:t>
+            </a:r>
+            <a:endParaRPr lang="en-US" dirty="0"/>
+          </a:p>
+        </p:txBody>
+      </p:sp>
+      <p:sp>
+        <p:nvSpPr>
+          <p:cNvPr id="42" name="Hình Bầu dục 41">
+            <a:extLst>
+              <a:ext uri="{FF2B5EF4-FFF2-40B4-BE49-F238E27FC236}">
+                <a16:creationId xmlns:a16="http://schemas.microsoft.com/office/drawing/2014/main" id="{C0C8B693-BC59-4C6F-83D2-5813158F56D5}"/>
+              </a:ext>
+            </a:extLst>
+          </p:cNvPr>
+          <p:cNvSpPr/>
+          <p:nvPr/>
+        </p:nvSpPr>
+        <p:spPr>
+          <a:xfrm>
+            <a:off x="8257567" y="3934950"/>
+            <a:ext cx="571500" cy="584200"/>
+          </a:xfrm>
+          <a:prstGeom prst="ellipse">
+            <a:avLst/>
+          </a:prstGeom>
+        </p:spPr>
+        <p:style>
+          <a:lnRef idx="2">
+            <a:schemeClr val="accent1">
+              <a:shade val="50000"/>
+            </a:schemeClr>
+          </a:lnRef>
+          <a:fillRef idx="1">
+            <a:schemeClr val="accent1"/>
+          </a:fillRef>
+          <a:effectRef idx="0">
+            <a:schemeClr val="accent1"/>
+          </a:effectRef>
+          <a:fontRef idx="minor">
+            <a:schemeClr val="lt1"/>
+          </a:fontRef>
+        </p:style>
+        <p:txBody>
+          <a:bodyPr rtlCol="0" anchor="ctr"/>
+          <a:lstStyle/>
+          <a:p>
+            <a:pPr algn="ctr"/>
+            <a:r>
+              <a:rPr lang="en-US" dirty="0"/>
+              <a:t>3</a:t>
+            </a:r>
+          </a:p>
+        </p:txBody>
+      </p:sp>
+      <p:sp>
+        <p:nvSpPr>
+          <p:cNvPr id="44" name="Hình Bầu dục 43">
+            <a:extLst>
+              <a:ext uri="{FF2B5EF4-FFF2-40B4-BE49-F238E27FC236}">
+                <a16:creationId xmlns:a16="http://schemas.microsoft.com/office/drawing/2014/main" id="{E4BCAF6E-109B-431C-AB30-E9F210F4A12F}"/>
+              </a:ext>
+            </a:extLst>
+          </p:cNvPr>
+          <p:cNvSpPr/>
+          <p:nvPr/>
+        </p:nvSpPr>
+        <p:spPr>
+          <a:xfrm>
+            <a:off x="8952893" y="4625180"/>
+            <a:ext cx="533400" cy="546100"/>
+          </a:xfrm>
+          <a:prstGeom prst="ellipse">
+            <a:avLst/>
+          </a:prstGeom>
+        </p:spPr>
+        <p:style>
+          <a:lnRef idx="2">
+            <a:schemeClr val="accent1">
+              <a:shade val="50000"/>
+            </a:schemeClr>
+          </a:lnRef>
+          <a:fillRef idx="1">
+            <a:schemeClr val="accent1"/>
+          </a:fillRef>
+          <a:effectRef idx="0">
+            <a:schemeClr val="accent1"/>
+          </a:effectRef>
+          <a:fontRef idx="minor">
+            <a:schemeClr val="lt1"/>
+          </a:fontRef>
+        </p:style>
+        <p:txBody>
+          <a:bodyPr rtlCol="0" anchor="ctr"/>
+          <a:lstStyle/>
+          <a:p>
+            <a:pPr algn="ctr"/>
+            <a:r>
+              <a:rPr lang="vi-VN" dirty="0"/>
+              <a:t>4</a:t>
+            </a:r>
+            <a:endParaRPr lang="en-US" dirty="0"/>
+          </a:p>
+        </p:txBody>
+      </p:sp>
+      <p:sp>
+        <p:nvSpPr>
+          <p:cNvPr id="45" name="Hình Bầu dục 44">
+            <a:extLst>
+              <a:ext uri="{FF2B5EF4-FFF2-40B4-BE49-F238E27FC236}">
+                <a16:creationId xmlns:a16="http://schemas.microsoft.com/office/drawing/2014/main" id="{6B9D4565-BFDD-4B58-807D-15CC6F92FD7B}"/>
+              </a:ext>
+            </a:extLst>
+          </p:cNvPr>
+          <p:cNvSpPr/>
+          <p:nvPr/>
+        </p:nvSpPr>
+        <p:spPr>
+          <a:xfrm>
+            <a:off x="8343865" y="5251444"/>
+            <a:ext cx="571500" cy="584200"/>
+          </a:xfrm>
+          <a:prstGeom prst="ellipse">
+            <a:avLst/>
+          </a:prstGeom>
+        </p:spPr>
+        <p:style>
+          <a:lnRef idx="2">
+            <a:schemeClr val="accent1">
+              <a:shade val="50000"/>
+            </a:schemeClr>
+          </a:lnRef>
+          <a:fillRef idx="1">
+            <a:schemeClr val="accent1"/>
+          </a:fillRef>
+          <a:effectRef idx="0">
+            <a:schemeClr val="accent1"/>
+          </a:effectRef>
+          <a:fontRef idx="minor">
+            <a:schemeClr val="lt1"/>
+          </a:fontRef>
+        </p:style>
+        <p:txBody>
+          <a:bodyPr rtlCol="0" anchor="ctr"/>
+          <a:lstStyle/>
+          <a:p>
+            <a:pPr algn="ctr"/>
+            <a:r>
+              <a:rPr lang="vi-VN" dirty="0"/>
+              <a:t>5</a:t>
+            </a:r>
+            <a:endParaRPr lang="en-US" dirty="0"/>
+          </a:p>
+        </p:txBody>
+      </p:sp>
+      <p:sp>
+        <p:nvSpPr>
+          <p:cNvPr id="46" name="Hình Bầu dục 45">
+            <a:extLst>
+              <a:ext uri="{FF2B5EF4-FFF2-40B4-BE49-F238E27FC236}">
+                <a16:creationId xmlns:a16="http://schemas.microsoft.com/office/drawing/2014/main" id="{8C29D693-DF73-4695-ACD6-0A3689D734D4}"/>
+              </a:ext>
+            </a:extLst>
+          </p:cNvPr>
+          <p:cNvSpPr/>
+          <p:nvPr/>
+        </p:nvSpPr>
+        <p:spPr>
+          <a:xfrm>
+            <a:off x="8963779" y="5964300"/>
+            <a:ext cx="533400" cy="512518"/>
+          </a:xfrm>
+          <a:prstGeom prst="ellipse">
+            <a:avLst/>
+          </a:prstGeom>
+        </p:spPr>
+        <p:style>
+          <a:lnRef idx="2">
+            <a:schemeClr val="accent1">
+              <a:shade val="50000"/>
+            </a:schemeClr>
+          </a:lnRef>
+          <a:fillRef idx="1">
+            <a:schemeClr val="accent1"/>
+          </a:fillRef>
+          <a:effectRef idx="0">
+            <a:schemeClr val="accent1"/>
+          </a:effectRef>
+          <a:fontRef idx="minor">
+            <a:schemeClr val="lt1"/>
+          </a:fontRef>
+        </p:style>
+        <p:txBody>
+          <a:bodyPr rtlCol="0" anchor="ctr"/>
+          <a:lstStyle/>
+          <a:p>
+            <a:pPr algn="ctr"/>
+            <a:r>
+              <a:rPr lang="vi-VN" dirty="0"/>
+              <a:t>6</a:t>
+            </a:r>
+            <a:endParaRPr lang="en-US" dirty="0"/>
+          </a:p>
+        </p:txBody>
+      </p:sp>
+      <p:cxnSp>
+        <p:nvCxnSpPr>
+          <p:cNvPr id="48" name="Đường kết nối Mũi tên Thẳng 47">
+            <a:extLst>
+              <a:ext uri="{FF2B5EF4-FFF2-40B4-BE49-F238E27FC236}">
+                <a16:creationId xmlns:a16="http://schemas.microsoft.com/office/drawing/2014/main" id="{A67C377A-1762-408A-9879-1061CA9D0CFE}"/>
+              </a:ext>
+            </a:extLst>
+          </p:cNvPr>
+          <p:cNvCxnSpPr>
+            <a:stCxn id="40" idx="4"/>
+            <a:endCxn id="41" idx="0"/>
+          </p:cNvCxnSpPr>
+          <p:nvPr/>
+        </p:nvCxnSpPr>
+        <p:spPr>
+          <a:xfrm>
+            <a:off x="9191331" y="2917536"/>
+            <a:ext cx="0" cy="318964"/>
+          </a:xfrm>
+          <a:prstGeom prst="straightConnector1">
+            <a:avLst/>
+          </a:prstGeom>
+          <a:ln>
+            <a:tailEnd type="triangle"/>
+          </a:ln>
+        </p:spPr>
+        <p:style>
+          <a:lnRef idx="3">
+            <a:schemeClr val="dk1"/>
+          </a:lnRef>
+          <a:fillRef idx="0">
+            <a:schemeClr val="dk1"/>
+          </a:fillRef>
+          <a:effectRef idx="2">
+            <a:schemeClr val="dk1"/>
+          </a:effectRef>
+          <a:fontRef idx="minor">
+            <a:schemeClr val="tx1"/>
+          </a:fontRef>
+        </p:style>
+      </p:cxnSp>
+      <p:cxnSp>
+        <p:nvCxnSpPr>
+          <p:cNvPr id="49" name="Đường kết nối Mũi tên Thẳng 48">
+            <a:extLst>
+              <a:ext uri="{FF2B5EF4-FFF2-40B4-BE49-F238E27FC236}">
+                <a16:creationId xmlns:a16="http://schemas.microsoft.com/office/drawing/2014/main" id="{1138801D-BCEC-41F6-959C-F00910DF6AB2}"/>
+              </a:ext>
+            </a:extLst>
+          </p:cNvPr>
+          <p:cNvCxnSpPr>
+            <a:stCxn id="41" idx="3"/>
+            <a:endCxn id="42" idx="7"/>
+          </p:cNvCxnSpPr>
+          <p:nvPr/>
+        </p:nvCxnSpPr>
+        <p:spPr>
+          <a:xfrm flipH="1">
+            <a:off x="8745373" y="3702626"/>
+            <a:ext cx="257373" cy="317878"/>
+          </a:xfrm>
+          <a:prstGeom prst="straightConnector1">
+            <a:avLst/>
+          </a:prstGeom>
+          <a:ln>
+            <a:tailEnd type="triangle"/>
+          </a:ln>
+        </p:spPr>
+        <p:style>
+          <a:lnRef idx="3">
+            <a:schemeClr val="dk1"/>
+          </a:lnRef>
+          <a:fillRef idx="0">
+            <a:schemeClr val="dk1"/>
+          </a:fillRef>
+          <a:effectRef idx="2">
+            <a:schemeClr val="dk1"/>
+          </a:effectRef>
+          <a:fontRef idx="minor">
+            <a:schemeClr val="tx1"/>
+          </a:fontRef>
+        </p:style>
+      </p:cxnSp>
+      <p:cxnSp>
+        <p:nvCxnSpPr>
+          <p:cNvPr id="52" name="Đường kết nối Mũi tên Thẳng 51">
+            <a:extLst>
+              <a:ext uri="{FF2B5EF4-FFF2-40B4-BE49-F238E27FC236}">
+                <a16:creationId xmlns:a16="http://schemas.microsoft.com/office/drawing/2014/main" id="{A2ABC591-D50B-4E2B-8844-EEAC922921A2}"/>
+              </a:ext>
+            </a:extLst>
+          </p:cNvPr>
+          <p:cNvCxnSpPr>
+            <a:cxnSpLocks/>
+            <a:stCxn id="41" idx="4"/>
+            <a:endCxn id="44" idx="0"/>
+          </p:cNvCxnSpPr>
+          <p:nvPr/>
+        </p:nvCxnSpPr>
+        <p:spPr>
+          <a:xfrm>
+            <a:off x="9191331" y="3782600"/>
+            <a:ext cx="28262" cy="842580"/>
+          </a:xfrm>
+          <a:prstGeom prst="straightConnector1">
+            <a:avLst/>
+          </a:prstGeom>
+          <a:ln>
+            <a:tailEnd type="triangle"/>
+          </a:ln>
+        </p:spPr>
+        <p:style>
+          <a:lnRef idx="3">
+            <a:schemeClr val="dk1"/>
+          </a:lnRef>
+          <a:fillRef idx="0">
+            <a:schemeClr val="dk1"/>
+          </a:fillRef>
+          <a:effectRef idx="2">
+            <a:schemeClr val="dk1"/>
+          </a:effectRef>
+          <a:fontRef idx="minor">
+            <a:schemeClr val="tx1"/>
+          </a:fontRef>
+        </p:style>
+      </p:cxnSp>
+      <p:cxnSp>
+        <p:nvCxnSpPr>
+          <p:cNvPr id="53" name="Đường kết nối Mũi tên Thẳng 52">
+            <a:extLst>
+              <a:ext uri="{FF2B5EF4-FFF2-40B4-BE49-F238E27FC236}">
+                <a16:creationId xmlns:a16="http://schemas.microsoft.com/office/drawing/2014/main" id="{BCB03BE9-3A70-44E7-978F-72F2D97EF0C4}"/>
+              </a:ext>
+            </a:extLst>
+          </p:cNvPr>
+          <p:cNvCxnSpPr>
+            <a:stCxn id="44" idx="3"/>
+            <a:endCxn id="45" idx="7"/>
+          </p:cNvCxnSpPr>
+          <p:nvPr/>
+        </p:nvCxnSpPr>
+        <p:spPr>
+          <a:xfrm flipH="1">
+            <a:off x="8831671" y="5091306"/>
+            <a:ext cx="199337" cy="245692"/>
+          </a:xfrm>
+          <a:prstGeom prst="straightConnector1">
+            <a:avLst/>
+          </a:prstGeom>
+          <a:ln>
+            <a:tailEnd type="triangle"/>
+          </a:ln>
+        </p:spPr>
+        <p:style>
+          <a:lnRef idx="3">
+            <a:schemeClr val="dk1"/>
+          </a:lnRef>
+          <a:fillRef idx="0">
+            <a:schemeClr val="dk1"/>
+          </a:fillRef>
+          <a:effectRef idx="2">
+            <a:schemeClr val="dk1"/>
+          </a:effectRef>
+          <a:fontRef idx="minor">
+            <a:schemeClr val="tx1"/>
+          </a:fontRef>
+        </p:style>
+      </p:cxnSp>
+      <p:cxnSp>
+        <p:nvCxnSpPr>
+          <p:cNvPr id="54" name="Đường kết nối Mũi tên Thẳng 53">
+            <a:extLst>
+              <a:ext uri="{FF2B5EF4-FFF2-40B4-BE49-F238E27FC236}">
+                <a16:creationId xmlns:a16="http://schemas.microsoft.com/office/drawing/2014/main" id="{A037F16A-64BC-4B81-B7CB-69733389BBC3}"/>
+              </a:ext>
+            </a:extLst>
+          </p:cNvPr>
+          <p:cNvCxnSpPr>
+            <a:stCxn id="45" idx="5"/>
+            <a:endCxn id="46" idx="1"/>
+          </p:cNvCxnSpPr>
+          <p:nvPr/>
+        </p:nvCxnSpPr>
+        <p:spPr>
+          <a:xfrm>
+            <a:off x="8831671" y="5750090"/>
+            <a:ext cx="210223" cy="289267"/>
+          </a:xfrm>
+          <a:prstGeom prst="straightConnector1">
+            <a:avLst/>
+          </a:prstGeom>
+          <a:ln>
+            <a:tailEnd type="triangle"/>
+          </a:ln>
+        </p:spPr>
+        <p:style>
+          <a:lnRef idx="3">
+            <a:schemeClr val="dk1"/>
+          </a:lnRef>
+          <a:fillRef idx="0">
+            <a:schemeClr val="dk1"/>
+          </a:fillRef>
+          <a:effectRef idx="2">
+            <a:schemeClr val="dk1"/>
+          </a:effectRef>
+          <a:fontRef idx="minor">
+            <a:schemeClr val="tx1"/>
+          </a:fontRef>
+        </p:style>
+      </p:cxnSp>
+      <p:cxnSp>
+        <p:nvCxnSpPr>
+          <p:cNvPr id="22" name="Đường kết nối Mũi tên Thẳng 21">
+            <a:extLst>
+              <a:ext uri="{FF2B5EF4-FFF2-40B4-BE49-F238E27FC236}">
+                <a16:creationId xmlns:a16="http://schemas.microsoft.com/office/drawing/2014/main" id="{6798DE09-D23E-4130-9602-212AA56E5217}"/>
+              </a:ext>
+            </a:extLst>
+          </p:cNvPr>
+          <p:cNvCxnSpPr>
+            <a:stCxn id="42" idx="4"/>
+            <a:endCxn id="44" idx="2"/>
+          </p:cNvCxnSpPr>
+          <p:nvPr/>
+        </p:nvCxnSpPr>
+        <p:spPr>
+          <a:xfrm>
+            <a:off x="8543317" y="4519150"/>
+            <a:ext cx="409576" cy="379080"/>
+          </a:xfrm>
+          <a:prstGeom prst="straightConnector1">
+            <a:avLst/>
+          </a:prstGeom>
+          <a:ln>
+            <a:tailEnd type="triangle"/>
+          </a:ln>
+        </p:spPr>
+        <p:style>
+          <a:lnRef idx="3">
+            <a:schemeClr val="dk1"/>
+          </a:lnRef>
+          <a:fillRef idx="0">
+            <a:schemeClr val="dk1"/>
+          </a:fillRef>
+          <a:effectRef idx="2">
+            <a:schemeClr val="dk1"/>
+          </a:effectRef>
+          <a:fontRef idx="minor">
+            <a:schemeClr val="tx1"/>
+          </a:fontRef>
+        </p:style>
+      </p:cxnSp>
+      <p:cxnSp>
+        <p:nvCxnSpPr>
+          <p:cNvPr id="24" name="Đường kết nối Mũi tên Thẳng 23">
+            <a:extLst>
+              <a:ext uri="{FF2B5EF4-FFF2-40B4-BE49-F238E27FC236}">
+                <a16:creationId xmlns:a16="http://schemas.microsoft.com/office/drawing/2014/main" id="{A4E79D92-E340-4715-826B-339AD9E36327}"/>
+              </a:ext>
+            </a:extLst>
+          </p:cNvPr>
+          <p:cNvCxnSpPr>
+            <a:stCxn id="44" idx="4"/>
+            <a:endCxn id="46" idx="0"/>
+          </p:cNvCxnSpPr>
+          <p:nvPr/>
+        </p:nvCxnSpPr>
+        <p:spPr>
+          <a:xfrm>
+            <a:off x="9219593" y="5171280"/>
+            <a:ext cx="10886" cy="793020"/>
+          </a:xfrm>
+          <a:prstGeom prst="straightConnector1">
+            <a:avLst/>
+          </a:prstGeom>
+          <a:ln>
+            <a:tailEnd type="triangle"/>
+          </a:ln>
+        </p:spPr>
+        <p:style>
+          <a:lnRef idx="3">
+            <a:schemeClr val="dk1"/>
+          </a:lnRef>
+          <a:fillRef idx="0">
+            <a:schemeClr val="dk1"/>
+          </a:fillRef>
+          <a:effectRef idx="2">
+            <a:schemeClr val="dk1"/>
+          </a:effectRef>
+          <a:fontRef idx="minor">
+            <a:schemeClr val="tx1"/>
+          </a:fontRef>
+        </p:style>
+      </p:cxnSp>
+    </p:spTree>
+    <p:extLst>
+      <p:ext uri="{BB962C8B-B14F-4D97-AF65-F5344CB8AC3E}">
+        <p14:creationId xmlns:p14="http://schemas.microsoft.com/office/powerpoint/2010/main" val="1564379217"/>
+      </p:ext>
+    </p:extLst>
+  </p:cSld>
+  <p:clrMapOvr>
+    <a:masterClrMapping/>
+  </p:clrMapOvr>
+</p:sld>
+</file>
+
+<file path=ppt/slides/slide8.xml><?xml version="1.0" encoding="utf-8"?>
+<p:sld xmlns:a="http://schemas.openxmlformats.org/drawingml/2006/main" xmlns:r="http://schemas.openxmlformats.org/officeDocument/2006/relationships" xmlns:p="http://schemas.openxmlformats.org/presentationml/2006/main">
+  <p:cSld>
+    <p:spTree>
+      <p:nvGrpSpPr>
+        <p:cNvPr id="1" name=""/>
+        <p:cNvGrpSpPr/>
+        <p:nvPr/>
+      </p:nvGrpSpPr>
+      <p:grpSpPr>
+        <a:xfrm>
+          <a:off x="0" y="0"/>
+          <a:ext cx="0" cy="0"/>
+          <a:chOff x="0" y="0"/>
+          <a:chExt cx="0" cy="0"/>
+        </a:xfrm>
+      </p:grpSpPr>
+      <p:sp>
+        <p:nvSpPr>
+          <p:cNvPr id="4" name="Tiêu đề 3">
+            <a:extLst>
+              <a:ext uri="{FF2B5EF4-FFF2-40B4-BE49-F238E27FC236}">
+                <a16:creationId xmlns:a16="http://schemas.microsoft.com/office/drawing/2014/main" id="{9349F6A1-C8F1-4EBD-9BA0-6E8B27592A29}"/>
+              </a:ext>
+            </a:extLst>
+          </p:cNvPr>
+          <p:cNvSpPr>
+            <a:spLocks noGrp="1"/>
+          </p:cNvSpPr>
+          <p:nvPr>
+            <p:ph type="title"/>
+          </p:nvPr>
+        </p:nvSpPr>
+        <p:spPr>
+          <a:xfrm>
+            <a:off x="913775" y="618519"/>
+            <a:ext cx="7963525" cy="429043"/>
+          </a:xfrm>
+        </p:spPr>
+        <p:txBody>
+          <a:bodyPr>
+            <a:noAutofit/>
+          </a:bodyPr>
+          <a:lstStyle/>
+          <a:p>
+            <a:pPr algn="l"/>
+            <a:r>
+              <a:rPr lang="en-US" dirty="0">
+                <a:latin typeface="Calibri" panose="020F0502020204030204" pitchFamily="34" charset="0"/>
+                <a:cs typeface="Calibri" panose="020F0502020204030204" pitchFamily="34" charset="0"/>
+              </a:rPr>
+              <a:t>PH</a:t>
+            </a:r>
+            <a:r>
+              <a:rPr lang="vi-VN" dirty="0">
+                <a:latin typeface="Calibri" panose="020F0502020204030204" pitchFamily="34" charset="0"/>
+                <a:cs typeface="Calibri" panose="020F0502020204030204" pitchFamily="34" charset="0"/>
+              </a:rPr>
+              <a:t>Ư</a:t>
+            </a:r>
+            <a:r>
+              <a:rPr lang="en-US" dirty="0">
+                <a:latin typeface="Calibri" panose="020F0502020204030204" pitchFamily="34" charset="0"/>
+                <a:cs typeface="Calibri" panose="020F0502020204030204" pitchFamily="34" charset="0"/>
+              </a:rPr>
+              <a:t>ƠNG PHÁP Đ</a:t>
+            </a:r>
+            <a:r>
+              <a:rPr lang="vi-VN" dirty="0">
+                <a:latin typeface="Calibri" panose="020F0502020204030204" pitchFamily="34" charset="0"/>
+                <a:cs typeface="Calibri" panose="020F0502020204030204" pitchFamily="34" charset="0"/>
+              </a:rPr>
+              <a:t>Ư</a:t>
+            </a:r>
+            <a:r>
+              <a:rPr lang="en-US" dirty="0">
+                <a:latin typeface="Calibri" panose="020F0502020204030204" pitchFamily="34" charset="0"/>
+                <a:cs typeface="Calibri" panose="020F0502020204030204" pitchFamily="34" charset="0"/>
+              </a:rPr>
+              <a:t>ỜNG DẪN C</a:t>
+            </a:r>
+            <a:r>
+              <a:rPr lang="vi-VN" dirty="0">
+                <a:latin typeface="Calibri" panose="020F0502020204030204" pitchFamily="34" charset="0"/>
+                <a:cs typeface="Calibri" panose="020F0502020204030204" pitchFamily="34" charset="0"/>
+              </a:rPr>
+              <a:t>Ơ</a:t>
+            </a:r>
+            <a:r>
+              <a:rPr lang="en-US" dirty="0">
+                <a:latin typeface="Calibri" panose="020F0502020204030204" pitchFamily="34" charset="0"/>
+                <a:cs typeface="Calibri" panose="020F0502020204030204" pitchFamily="34" charset="0"/>
+              </a:rPr>
+              <a:t> SỞ</a:t>
+            </a:r>
+            <a:endParaRPr lang="en-US" dirty="0"/>
+          </a:p>
+        </p:txBody>
+      </p:sp>
+      <p:sp>
+        <p:nvSpPr>
+          <p:cNvPr id="5" name="Chỗ dành sẵn cho Nội dung 4">
+            <a:extLst>
+              <a:ext uri="{FF2B5EF4-FFF2-40B4-BE49-F238E27FC236}">
+                <a16:creationId xmlns:a16="http://schemas.microsoft.com/office/drawing/2014/main" id="{44C270DD-8AA0-4590-9349-0A7FF2242FCA}"/>
+              </a:ext>
+            </a:extLst>
+          </p:cNvPr>
+          <p:cNvSpPr>
+            <a:spLocks noGrp="1"/>
+          </p:cNvSpPr>
+          <p:nvPr>
+            <p:ph sz="quarter" idx="13"/>
+          </p:nvPr>
+        </p:nvSpPr>
+        <p:spPr>
+          <a:xfrm>
+            <a:off x="913774" y="2232890"/>
+            <a:ext cx="10268576" cy="4458855"/>
+          </a:xfrm>
+        </p:spPr>
+        <p:txBody>
+          <a:bodyPr>
+            <a:noAutofit/>
+          </a:bodyPr>
+          <a:lstStyle/>
+          <a:p>
+            <a:pPr marL="0" indent="0">
+              <a:buNone/>
+            </a:pPr>
+            <a:r>
+              <a:rPr lang="vi-VN" sz="3000" cap="none" dirty="0" err="1">
+                <a:latin typeface="Times New Roman" panose="02020603050405020304" pitchFamily="18" charset="0"/>
+                <a:cs typeface="Times New Roman" panose="02020603050405020304" pitchFamily="18" charset="0"/>
+              </a:rPr>
+              <a:t>Việc</a:t>
+            </a:r>
+            <a:r>
+              <a:rPr lang="vi-VN" sz="3000" cap="none" dirty="0">
+                <a:latin typeface="Times New Roman" panose="02020603050405020304" pitchFamily="18" charset="0"/>
+                <a:cs typeface="Times New Roman" panose="02020603050405020304" pitchFamily="18" charset="0"/>
+              </a:rPr>
+              <a:t> </a:t>
+            </a:r>
+            <a:r>
+              <a:rPr lang="vi-VN" sz="3000" cap="none" dirty="0" err="1">
+                <a:latin typeface="Times New Roman" panose="02020603050405020304" pitchFamily="18" charset="0"/>
+                <a:cs typeface="Times New Roman" panose="02020603050405020304" pitchFamily="18" charset="0"/>
+              </a:rPr>
+              <a:t>xác</a:t>
+            </a:r>
+            <a:r>
+              <a:rPr lang="vi-VN" sz="3000" cap="none" dirty="0">
+                <a:latin typeface="Times New Roman" panose="02020603050405020304" pitchFamily="18" charset="0"/>
+                <a:cs typeface="Times New Roman" panose="02020603050405020304" pitchFamily="18" charset="0"/>
+              </a:rPr>
+              <a:t> </a:t>
+            </a:r>
+            <a:r>
+              <a:rPr lang="vi-VN" sz="3000" cap="none" dirty="0" err="1">
+                <a:latin typeface="Times New Roman" panose="02020603050405020304" pitchFamily="18" charset="0"/>
+                <a:cs typeface="Times New Roman" panose="02020603050405020304" pitchFamily="18" charset="0"/>
+              </a:rPr>
+              <a:t>định</a:t>
+            </a:r>
+            <a:r>
+              <a:rPr lang="vi-VN" sz="3000" cap="none" dirty="0">
+                <a:latin typeface="Times New Roman" panose="02020603050405020304" pitchFamily="18" charset="0"/>
+                <a:cs typeface="Times New Roman" panose="02020603050405020304" pitchFamily="18" charset="0"/>
+              </a:rPr>
+              <a:t> </a:t>
+            </a:r>
+            <a:r>
+              <a:rPr lang="vi-VN" sz="3000" cap="none" dirty="0" err="1">
+                <a:latin typeface="Times New Roman" panose="02020603050405020304" pitchFamily="18" charset="0"/>
+                <a:cs typeface="Times New Roman" panose="02020603050405020304" pitchFamily="18" charset="0"/>
+              </a:rPr>
+              <a:t>độ</a:t>
+            </a:r>
+            <a:r>
+              <a:rPr lang="vi-VN" sz="3000" cap="none" dirty="0">
+                <a:latin typeface="Times New Roman" panose="02020603050405020304" pitchFamily="18" charset="0"/>
+                <a:cs typeface="Times New Roman" panose="02020603050405020304" pitchFamily="18" charset="0"/>
+              </a:rPr>
+              <a:t> </a:t>
+            </a:r>
+            <a:r>
+              <a:rPr lang="vi-VN" sz="3000" cap="none" dirty="0" err="1">
+                <a:latin typeface="Times New Roman" panose="02020603050405020304" pitchFamily="18" charset="0"/>
+                <a:cs typeface="Times New Roman" panose="02020603050405020304" pitchFamily="18" charset="0"/>
+              </a:rPr>
+              <a:t>phức</a:t>
+            </a:r>
+            <a:r>
+              <a:rPr lang="vi-VN" sz="3000" cap="none" dirty="0">
+                <a:latin typeface="Times New Roman" panose="02020603050405020304" pitchFamily="18" charset="0"/>
+                <a:cs typeface="Times New Roman" panose="02020603050405020304" pitchFamily="18" charset="0"/>
+              </a:rPr>
+              <a:t> </a:t>
+            </a:r>
+            <a:r>
+              <a:rPr lang="vi-VN" sz="3000" cap="none" dirty="0" err="1">
+                <a:latin typeface="Times New Roman" panose="02020603050405020304" pitchFamily="18" charset="0"/>
+                <a:cs typeface="Times New Roman" panose="02020603050405020304" pitchFamily="18" charset="0"/>
+              </a:rPr>
+              <a:t>tạp</a:t>
+            </a:r>
+            <a:r>
+              <a:rPr lang="vi-VN" sz="3000" cap="none" dirty="0">
+                <a:latin typeface="Times New Roman" panose="02020603050405020304" pitchFamily="18" charset="0"/>
+                <a:cs typeface="Times New Roman" panose="02020603050405020304" pitchFamily="18" charset="0"/>
+              </a:rPr>
+              <a:t> </a:t>
+            </a:r>
+            <a:r>
+              <a:rPr lang="vi-VN" sz="3000" cap="none" dirty="0" err="1">
+                <a:latin typeface="Times New Roman" panose="02020603050405020304" pitchFamily="18" charset="0"/>
+                <a:cs typeface="Times New Roman" panose="02020603050405020304" pitchFamily="18" charset="0"/>
+              </a:rPr>
+              <a:t>cyclomatic</a:t>
+            </a:r>
+            <a:r>
+              <a:rPr lang="vi-VN" sz="3000" cap="none" dirty="0">
+                <a:latin typeface="Times New Roman" panose="02020603050405020304" pitchFamily="18" charset="0"/>
+                <a:cs typeface="Times New Roman" panose="02020603050405020304" pitchFamily="18" charset="0"/>
+              </a:rPr>
+              <a:t> cho </a:t>
+            </a:r>
+            <a:r>
+              <a:rPr lang="vi-VN" sz="3000" cap="none" dirty="0" err="1">
+                <a:latin typeface="Times New Roman" panose="02020603050405020304" pitchFamily="18" charset="0"/>
+                <a:cs typeface="Times New Roman" panose="02020603050405020304" pitchFamily="18" charset="0"/>
+              </a:rPr>
+              <a:t>phép</a:t>
+            </a:r>
+            <a:r>
+              <a:rPr lang="vi-VN" sz="3000" cap="none" dirty="0">
+                <a:latin typeface="Times New Roman" panose="02020603050405020304" pitchFamily="18" charset="0"/>
+                <a:cs typeface="Times New Roman" panose="02020603050405020304" pitchFamily="18" charset="0"/>
+              </a:rPr>
+              <a:t> ta </a:t>
+            </a:r>
+            <a:r>
+              <a:rPr lang="vi-VN" sz="3000" cap="none" dirty="0" err="1">
+                <a:latin typeface="Times New Roman" panose="02020603050405020304" pitchFamily="18" charset="0"/>
+                <a:cs typeface="Times New Roman" panose="02020603050405020304" pitchFamily="18" charset="0"/>
+              </a:rPr>
+              <a:t>xác</a:t>
+            </a:r>
+            <a:r>
+              <a:rPr lang="vi-VN" sz="3000" cap="none" dirty="0">
+                <a:latin typeface="Times New Roman" panose="02020603050405020304" pitchFamily="18" charset="0"/>
+                <a:cs typeface="Times New Roman" panose="02020603050405020304" pitchFamily="18" charset="0"/>
+              </a:rPr>
+              <a:t> </a:t>
+            </a:r>
+            <a:r>
+              <a:rPr lang="vi-VN" sz="3000" cap="none" dirty="0" err="1">
+                <a:latin typeface="Times New Roman" panose="02020603050405020304" pitchFamily="18" charset="0"/>
+                <a:cs typeface="Times New Roman" panose="02020603050405020304" pitchFamily="18" charset="0"/>
+              </a:rPr>
+              <a:t>định</a:t>
+            </a:r>
+            <a:r>
+              <a:rPr lang="vi-VN" sz="3000" cap="none" dirty="0">
+                <a:latin typeface="Times New Roman" panose="02020603050405020304" pitchFamily="18" charset="0"/>
+                <a:cs typeface="Times New Roman" panose="02020603050405020304" pitchFamily="18" charset="0"/>
+              </a:rPr>
+              <a:t> </a:t>
+            </a:r>
+            <a:r>
+              <a:rPr lang="vi-VN" sz="3000" cap="none" dirty="0" err="1">
+                <a:latin typeface="Times New Roman" panose="02020603050405020304" pitchFamily="18" charset="0"/>
+                <a:cs typeface="Times New Roman" panose="02020603050405020304" pitchFamily="18" charset="0"/>
+              </a:rPr>
+              <a:t>được</a:t>
+            </a:r>
+            <a:r>
+              <a:rPr lang="vi-VN" sz="3000" cap="none" dirty="0">
+                <a:latin typeface="Times New Roman" panose="02020603050405020304" pitchFamily="18" charset="0"/>
+                <a:cs typeface="Times New Roman" panose="02020603050405020304" pitchFamily="18" charset="0"/>
+              </a:rPr>
+              <a:t> </a:t>
+            </a:r>
+            <a:r>
+              <a:rPr lang="vi-VN" sz="3000" cap="none" dirty="0" err="1">
+                <a:latin typeface="Times New Roman" panose="02020603050405020304" pitchFamily="18" charset="0"/>
+                <a:cs typeface="Times New Roman" panose="02020603050405020304" pitchFamily="18" charset="0"/>
+              </a:rPr>
+              <a:t>chính</a:t>
+            </a:r>
+            <a:r>
+              <a:rPr lang="vi-VN" sz="3000" cap="none" dirty="0">
+                <a:latin typeface="Times New Roman" panose="02020603050405020304" pitchFamily="18" charset="0"/>
+                <a:cs typeface="Times New Roman" panose="02020603050405020304" pitchFamily="18" charset="0"/>
+              </a:rPr>
+              <a:t> </a:t>
+            </a:r>
+            <a:r>
+              <a:rPr lang="vi-VN" sz="3000" cap="none" dirty="0" err="1">
+                <a:latin typeface="Times New Roman" panose="02020603050405020304" pitchFamily="18" charset="0"/>
+                <a:cs typeface="Times New Roman" panose="02020603050405020304" pitchFamily="18" charset="0"/>
+              </a:rPr>
+              <a:t>xác</a:t>
+            </a:r>
+            <a:r>
+              <a:rPr lang="vi-VN" sz="3000" cap="none" dirty="0">
+                <a:latin typeface="Times New Roman" panose="02020603050405020304" pitchFamily="18" charset="0"/>
+                <a:cs typeface="Times New Roman" panose="02020603050405020304" pitchFamily="18" charset="0"/>
+              </a:rPr>
+              <a:t> </a:t>
+            </a:r>
+            <a:r>
+              <a:rPr lang="vi-VN" sz="3000" cap="none" dirty="0" err="1">
+                <a:latin typeface="Times New Roman" panose="02020603050405020304" pitchFamily="18" charset="0"/>
+                <a:cs typeface="Times New Roman" panose="02020603050405020304" pitchFamily="18" charset="0"/>
+              </a:rPr>
+              <a:t>số</a:t>
+            </a:r>
+            <a:r>
+              <a:rPr lang="vi-VN" sz="3000" cap="none" dirty="0">
+                <a:latin typeface="Times New Roman" panose="02020603050405020304" pitchFamily="18" charset="0"/>
+                <a:cs typeface="Times New Roman" panose="02020603050405020304" pitchFamily="18" charset="0"/>
+              </a:rPr>
+              <a:t> </a:t>
+            </a:r>
+            <a:r>
+              <a:rPr lang="vi-VN" sz="3000" cap="none" dirty="0" err="1">
+                <a:latin typeface="Times New Roman" panose="02020603050405020304" pitchFamily="18" charset="0"/>
+                <a:cs typeface="Times New Roman" panose="02020603050405020304" pitchFamily="18" charset="0"/>
+              </a:rPr>
+              <a:t>lượng</a:t>
+            </a:r>
+            <a:r>
+              <a:rPr lang="vi-VN" sz="3000" cap="none" dirty="0">
+                <a:latin typeface="Times New Roman" panose="02020603050405020304" pitchFamily="18" charset="0"/>
+                <a:cs typeface="Times New Roman" panose="02020603050405020304" pitchFamily="18" charset="0"/>
+              </a:rPr>
+              <a:t> </a:t>
+            </a:r>
+            <a:r>
+              <a:rPr lang="vi-VN" sz="3000" cap="none" dirty="0" err="1">
+                <a:latin typeface="Times New Roman" panose="02020603050405020304" pitchFamily="18" charset="0"/>
+                <a:cs typeface="Times New Roman" panose="02020603050405020304" pitchFamily="18" charset="0"/>
+              </a:rPr>
+              <a:t>đường</a:t>
+            </a:r>
+            <a:r>
+              <a:rPr lang="vi-VN" sz="3000" cap="none" dirty="0">
+                <a:latin typeface="Times New Roman" panose="02020603050405020304" pitchFamily="18" charset="0"/>
+                <a:cs typeface="Times New Roman" panose="02020603050405020304" pitchFamily="18" charset="0"/>
+              </a:rPr>
+              <a:t> </a:t>
+            </a:r>
+            <a:r>
+              <a:rPr lang="vi-VN" sz="3000" cap="none" dirty="0" err="1">
+                <a:latin typeface="Times New Roman" panose="02020603050405020304" pitchFamily="18" charset="0"/>
+                <a:cs typeface="Times New Roman" panose="02020603050405020304" pitchFamily="18" charset="0"/>
+              </a:rPr>
+              <a:t>dẫn</a:t>
+            </a:r>
+            <a:r>
+              <a:rPr lang="vi-VN" sz="3000" cap="none" dirty="0">
+                <a:latin typeface="Times New Roman" panose="02020603050405020304" pitchFamily="18" charset="0"/>
+                <a:cs typeface="Times New Roman" panose="02020603050405020304" pitchFamily="18" charset="0"/>
+              </a:rPr>
+              <a:t> cơ </a:t>
+            </a:r>
+            <a:r>
+              <a:rPr lang="vi-VN" sz="3000" cap="none" dirty="0" err="1">
+                <a:latin typeface="Times New Roman" panose="02020603050405020304" pitchFamily="18" charset="0"/>
+                <a:cs typeface="Times New Roman" panose="02020603050405020304" pitchFamily="18" charset="0"/>
+              </a:rPr>
+              <a:t>sở</a:t>
+            </a:r>
+            <a:r>
+              <a:rPr lang="vi-VN" sz="3000" cap="none" dirty="0">
+                <a:latin typeface="Times New Roman" panose="02020603050405020304" pitchFamily="18" charset="0"/>
+                <a:cs typeface="Times New Roman" panose="02020603050405020304" pitchFamily="18" charset="0"/>
+              </a:rPr>
+              <a:t>.</a:t>
+            </a:r>
+          </a:p>
+          <a:p>
+            <a:pPr marL="0" indent="0">
+              <a:buNone/>
+            </a:pPr>
+            <a:r>
+              <a:rPr lang="vi-VN" sz="3000" cap="none" dirty="0" err="1">
+                <a:latin typeface="Times New Roman" panose="02020603050405020304" pitchFamily="18" charset="0"/>
+                <a:cs typeface="Times New Roman" panose="02020603050405020304" pitchFamily="18" charset="0"/>
+              </a:rPr>
+              <a:t>Độ</a:t>
+            </a:r>
+            <a:r>
+              <a:rPr lang="vi-VN" sz="3000" cap="none" dirty="0">
+                <a:latin typeface="Times New Roman" panose="02020603050405020304" pitchFamily="18" charset="0"/>
+                <a:cs typeface="Times New Roman" panose="02020603050405020304" pitchFamily="18" charset="0"/>
+              </a:rPr>
+              <a:t> </a:t>
+            </a:r>
+            <a:r>
+              <a:rPr lang="vi-VN" sz="3000" cap="none" dirty="0" err="1">
+                <a:latin typeface="Times New Roman" panose="02020603050405020304" pitchFamily="18" charset="0"/>
+                <a:cs typeface="Times New Roman" panose="02020603050405020304" pitchFamily="18" charset="0"/>
+              </a:rPr>
+              <a:t>phức</a:t>
+            </a:r>
+            <a:r>
+              <a:rPr lang="vi-VN" sz="3000" cap="none" dirty="0">
+                <a:latin typeface="Times New Roman" panose="02020603050405020304" pitchFamily="18" charset="0"/>
+                <a:cs typeface="Times New Roman" panose="02020603050405020304" pitchFamily="18" charset="0"/>
+              </a:rPr>
+              <a:t> </a:t>
+            </a:r>
+            <a:r>
+              <a:rPr lang="vi-VN" sz="3000" cap="none" dirty="0" err="1">
+                <a:latin typeface="Times New Roman" panose="02020603050405020304" pitchFamily="18" charset="0"/>
+                <a:cs typeface="Times New Roman" panose="02020603050405020304" pitchFamily="18" charset="0"/>
+              </a:rPr>
+              <a:t>tạp</a:t>
+            </a:r>
+            <a:r>
+              <a:rPr lang="vi-VN" sz="3000" cap="none" dirty="0">
+                <a:latin typeface="Times New Roman" panose="02020603050405020304" pitchFamily="18" charset="0"/>
+                <a:cs typeface="Times New Roman" panose="02020603050405020304" pitchFamily="18" charset="0"/>
+              </a:rPr>
+              <a:t> (</a:t>
+            </a:r>
+            <a:r>
+              <a:rPr lang="vi-VN" sz="3000" cap="none" dirty="0" err="1">
+                <a:latin typeface="Times New Roman" panose="02020603050405020304" pitchFamily="18" charset="0"/>
+                <a:cs typeface="Times New Roman" panose="02020603050405020304" pitchFamily="18" charset="0"/>
+              </a:rPr>
+              <a:t>ký</a:t>
+            </a:r>
+            <a:r>
+              <a:rPr lang="vi-VN" sz="3000" cap="none" dirty="0">
+                <a:latin typeface="Times New Roman" panose="02020603050405020304" pitchFamily="18" charset="0"/>
+                <a:cs typeface="Times New Roman" panose="02020603050405020304" pitchFamily="18" charset="0"/>
+              </a:rPr>
+              <a:t> </a:t>
+            </a:r>
+            <a:r>
+              <a:rPr lang="vi-VN" sz="3000" cap="none" dirty="0" err="1">
+                <a:latin typeface="Times New Roman" panose="02020603050405020304" pitchFamily="18" charset="0"/>
+                <a:cs typeface="Times New Roman" panose="02020603050405020304" pitchFamily="18" charset="0"/>
+              </a:rPr>
+              <a:t>hiệu</a:t>
+            </a:r>
+            <a:r>
+              <a:rPr lang="vi-VN" sz="3000" cap="none" dirty="0">
+                <a:latin typeface="Times New Roman" panose="02020603050405020304" pitchFamily="18" charset="0"/>
+                <a:cs typeface="Times New Roman" panose="02020603050405020304" pitchFamily="18" charset="0"/>
+              </a:rPr>
+              <a:t> </a:t>
+            </a:r>
+            <a:r>
+              <a:rPr lang="vi-VN" sz="3000" b="1" cap="none" dirty="0">
+                <a:latin typeface="Times New Roman" panose="02020603050405020304" pitchFamily="18" charset="0"/>
+                <a:cs typeface="Times New Roman" panose="02020603050405020304" pitchFamily="18" charset="0"/>
+              </a:rPr>
+              <a:t>V(G)</a:t>
+            </a:r>
+            <a:r>
+              <a:rPr lang="vi-VN" sz="3000" cap="none" dirty="0">
+                <a:latin typeface="Times New Roman" panose="02020603050405020304" pitchFamily="18" charset="0"/>
+                <a:cs typeface="Times New Roman" panose="02020603050405020304" pitchFamily="18" charset="0"/>
+              </a:rPr>
+              <a:t>) </a:t>
+            </a:r>
+            <a:r>
+              <a:rPr lang="vi-VN" sz="3000" cap="none" dirty="0" err="1">
+                <a:latin typeface="Times New Roman" panose="02020603050405020304" pitchFamily="18" charset="0"/>
+                <a:cs typeface="Times New Roman" panose="02020603050405020304" pitchFamily="18" charset="0"/>
+              </a:rPr>
+              <a:t>được</a:t>
+            </a:r>
+            <a:r>
+              <a:rPr lang="vi-VN" sz="3000" cap="none" dirty="0">
+                <a:latin typeface="Times New Roman" panose="02020603050405020304" pitchFamily="18" charset="0"/>
+                <a:cs typeface="Times New Roman" panose="02020603050405020304" pitchFamily="18" charset="0"/>
+              </a:rPr>
+              <a:t> </a:t>
+            </a:r>
+            <a:r>
+              <a:rPr lang="vi-VN" sz="3000" cap="none" dirty="0" err="1">
+                <a:latin typeface="Times New Roman" panose="02020603050405020304" pitchFamily="18" charset="0"/>
+                <a:cs typeface="Times New Roman" panose="02020603050405020304" pitchFamily="18" charset="0"/>
+              </a:rPr>
+              <a:t>tính</a:t>
+            </a:r>
+            <a:r>
+              <a:rPr lang="vi-VN" sz="3000" cap="none" dirty="0">
+                <a:latin typeface="Times New Roman" panose="02020603050405020304" pitchFamily="18" charset="0"/>
+                <a:cs typeface="Times New Roman" panose="02020603050405020304" pitchFamily="18" charset="0"/>
+              </a:rPr>
+              <a:t> </a:t>
+            </a:r>
+            <a:r>
+              <a:rPr lang="vi-VN" sz="3000" cap="none" dirty="0" err="1">
+                <a:latin typeface="Times New Roman" panose="02020603050405020304" pitchFamily="18" charset="0"/>
+                <a:cs typeface="Times New Roman" panose="02020603050405020304" pitchFamily="18" charset="0"/>
+              </a:rPr>
+              <a:t>bằng</a:t>
+            </a:r>
+            <a:r>
+              <a:rPr lang="vi-VN" sz="3000" cap="none" dirty="0">
+                <a:latin typeface="Times New Roman" panose="02020603050405020304" pitchFamily="18" charset="0"/>
+                <a:cs typeface="Times New Roman" panose="02020603050405020304" pitchFamily="18" charset="0"/>
+              </a:rPr>
+              <a:t> </a:t>
+            </a:r>
+            <a:r>
+              <a:rPr lang="vi-VN" sz="3000" cap="none" dirty="0" err="1">
+                <a:latin typeface="Times New Roman" panose="02020603050405020304" pitchFamily="18" charset="0"/>
+                <a:cs typeface="Times New Roman" panose="02020603050405020304" pitchFamily="18" charset="0"/>
+              </a:rPr>
+              <a:t>một</a:t>
+            </a:r>
+            <a:r>
+              <a:rPr lang="vi-VN" sz="3000" cap="none" dirty="0">
+                <a:latin typeface="Times New Roman" panose="02020603050405020304" pitchFamily="18" charset="0"/>
+                <a:cs typeface="Times New Roman" panose="02020603050405020304" pitchFamily="18" charset="0"/>
+              </a:rPr>
+              <a:t> trong </a:t>
+            </a:r>
+            <a:r>
+              <a:rPr lang="vi-VN" sz="3000" cap="none" dirty="0" err="1">
+                <a:latin typeface="Times New Roman" panose="02020603050405020304" pitchFamily="18" charset="0"/>
+                <a:cs typeface="Times New Roman" panose="02020603050405020304" pitchFamily="18" charset="0"/>
+              </a:rPr>
+              <a:t>các</a:t>
+            </a:r>
+            <a:r>
+              <a:rPr lang="vi-VN" sz="3000" cap="none" dirty="0">
+                <a:latin typeface="Times New Roman" panose="02020603050405020304" pitchFamily="18" charset="0"/>
+                <a:cs typeface="Times New Roman" panose="02020603050405020304" pitchFamily="18" charset="0"/>
+              </a:rPr>
+              <a:t> công </a:t>
+            </a:r>
+            <a:r>
+              <a:rPr lang="vi-VN" sz="3000" cap="none" dirty="0" err="1">
+                <a:latin typeface="Times New Roman" panose="02020603050405020304" pitchFamily="18" charset="0"/>
+                <a:cs typeface="Times New Roman" panose="02020603050405020304" pitchFamily="18" charset="0"/>
+              </a:rPr>
+              <a:t>thức</a:t>
+            </a:r>
+            <a:r>
+              <a:rPr lang="vi-VN" sz="3000" cap="none" dirty="0">
+                <a:latin typeface="Times New Roman" panose="02020603050405020304" pitchFamily="18" charset="0"/>
+                <a:cs typeface="Times New Roman" panose="02020603050405020304" pitchFamily="18" charset="0"/>
+              </a:rPr>
+              <a:t> sau:</a:t>
+            </a:r>
+          </a:p>
+          <a:p>
+            <a:pPr>
+              <a:buFont typeface="Wingdings" panose="05000000000000000000" pitchFamily="2" charset="2"/>
+              <a:buChar char="§"/>
+            </a:pPr>
+            <a:r>
+              <a:rPr lang="vi-VN" sz="3000" b="1" cap="none" dirty="0">
+                <a:latin typeface="Times New Roman" panose="02020603050405020304" pitchFamily="18" charset="0"/>
+                <a:cs typeface="Times New Roman" panose="02020603050405020304" pitchFamily="18" charset="0"/>
+              </a:rPr>
+              <a:t>V(G) =  E – N + 2</a:t>
+            </a:r>
+          </a:p>
+          <a:p>
+            <a:pPr>
+              <a:buFont typeface="Wingdings" panose="05000000000000000000" pitchFamily="2" charset="2"/>
+              <a:buChar char="§"/>
+            </a:pPr>
+            <a:r>
+              <a:rPr lang="vi-VN" sz="3000" b="1" cap="none" dirty="0">
+                <a:latin typeface="Times New Roman" panose="02020603050405020304" pitchFamily="18" charset="0"/>
+                <a:cs typeface="Times New Roman" panose="02020603050405020304" pitchFamily="18" charset="0"/>
+              </a:rPr>
+              <a:t>V(G) = P + 1</a:t>
+            </a:r>
+          </a:p>
+          <a:p>
+            <a:pPr>
+              <a:buFont typeface="Wingdings" panose="05000000000000000000" pitchFamily="2" charset="2"/>
+              <a:buChar char="§"/>
+            </a:pPr>
+            <a:r>
+              <a:rPr lang="vi-VN" sz="3000" b="1" cap="none" dirty="0">
+                <a:latin typeface="Times New Roman" panose="02020603050405020304" pitchFamily="18" charset="0"/>
+                <a:cs typeface="Times New Roman" panose="02020603050405020304" pitchFamily="18" charset="0"/>
+              </a:rPr>
+              <a:t>V(G) = </a:t>
+            </a:r>
+            <a:r>
+              <a:rPr lang="vi-VN" sz="3000" b="1" cap="none" dirty="0" err="1">
+                <a:latin typeface="Times New Roman" panose="02020603050405020304" pitchFamily="18" charset="0"/>
+                <a:cs typeface="Times New Roman" panose="02020603050405020304" pitchFamily="18" charset="0"/>
+              </a:rPr>
+              <a:t>số</a:t>
+            </a:r>
+            <a:r>
+              <a:rPr lang="vi-VN" sz="3000" b="1" cap="none" dirty="0">
+                <a:latin typeface="Times New Roman" panose="02020603050405020304" pitchFamily="18" charset="0"/>
+                <a:cs typeface="Times New Roman" panose="02020603050405020304" pitchFamily="18" charset="0"/>
+              </a:rPr>
+              <a:t> </a:t>
+            </a:r>
+            <a:r>
+              <a:rPr lang="vi-VN" sz="3000" b="1" cap="none" dirty="0" err="1">
+                <a:latin typeface="Times New Roman" panose="02020603050405020304" pitchFamily="18" charset="0"/>
+                <a:cs typeface="Times New Roman" panose="02020603050405020304" pitchFamily="18" charset="0"/>
+              </a:rPr>
+              <a:t>miền</a:t>
+            </a:r>
+            <a:r>
+              <a:rPr lang="vi-VN" sz="3000" b="1" cap="none" dirty="0">
+                <a:latin typeface="Times New Roman" panose="02020603050405020304" pitchFamily="18" charset="0"/>
+                <a:cs typeface="Times New Roman" panose="02020603050405020304" pitchFamily="18" charset="0"/>
+              </a:rPr>
+              <a:t> </a:t>
+            </a:r>
+            <a:r>
+              <a:rPr lang="vi-VN" sz="3000" b="1" cap="none" dirty="0" err="1">
+                <a:latin typeface="Times New Roman" panose="02020603050405020304" pitchFamily="18" charset="0"/>
+                <a:cs typeface="Times New Roman" panose="02020603050405020304" pitchFamily="18" charset="0"/>
+              </a:rPr>
+              <a:t>phẳng</a:t>
+            </a:r>
+            <a:r>
+              <a:rPr lang="vi-VN" sz="3000" cap="none" dirty="0">
+                <a:latin typeface="Times New Roman" panose="02020603050405020304" pitchFamily="18" charset="0"/>
+                <a:cs typeface="Times New Roman" panose="02020603050405020304" pitchFamily="18" charset="0"/>
+              </a:rPr>
+              <a:t> </a:t>
+            </a:r>
+            <a:endParaRPr lang="en-US" sz="3000" cap="none" dirty="0">
+              <a:latin typeface="Times New Roman" panose="02020603050405020304" pitchFamily="18" charset="0"/>
+              <a:cs typeface="Times New Roman" panose="02020603050405020304" pitchFamily="18" charset="0"/>
+            </a:endParaRPr>
+          </a:p>
+          <a:p>
+            <a:pPr>
+              <a:buFont typeface="Wingdings" panose="05000000000000000000" pitchFamily="2" charset="2"/>
+              <a:buChar char="§"/>
+            </a:pPr>
+            <a:endParaRPr lang="vi-VN" sz="3000" cap="none" dirty="0">
+              <a:latin typeface="Times New Roman" panose="02020603050405020304" pitchFamily="18" charset="0"/>
+              <a:cs typeface="Times New Roman" panose="02020603050405020304" pitchFamily="18" charset="0"/>
+            </a:endParaRPr>
+          </a:p>
+        </p:txBody>
+      </p:sp>
+      <p:sp>
+        <p:nvSpPr>
+          <p:cNvPr id="6" name="Tiêu đề 3">
+            <a:extLst>
+              <a:ext uri="{FF2B5EF4-FFF2-40B4-BE49-F238E27FC236}">
+                <a16:creationId xmlns:a16="http://schemas.microsoft.com/office/drawing/2014/main" id="{27B11300-8A9D-437D-819C-FBA05B02F134}"/>
+              </a:ext>
+            </a:extLst>
+          </p:cNvPr>
+          <p:cNvSpPr txBox="1">
+            <a:spLocks/>
+          </p:cNvSpPr>
+          <p:nvPr/>
+        </p:nvSpPr>
+        <p:spPr>
+          <a:xfrm>
+            <a:off x="913774" y="1615926"/>
+            <a:ext cx="8535026" cy="420669"/>
+          </a:xfrm>
+          <a:prstGeom prst="rect">
+            <a:avLst/>
+          </a:prstGeom>
+        </p:spPr>
+        <p:txBody>
+          <a:bodyPr vert="horz" lIns="91440" tIns="45720" rIns="91440" bIns="45720" rtlCol="0" anchor="ctr">
+            <a:noAutofit/>
+          </a:bodyPr>
+          <a:lstStyle>
+            <a:lvl1pPr algn="ctr" defTabSz="914400" rtl="0" eaLnBrk="1" latinLnBrk="0" hangingPunct="1">
+              <a:lnSpc>
+                <a:spcPct val="90000"/>
+              </a:lnSpc>
+              <a:spcBef>
+                <a:spcPct val="0"/>
+              </a:spcBef>
+              <a:buNone/>
+              <a:defRPr sz="3600" kern="1200" cap="all" baseline="0">
+                <a:solidFill>
+                  <a:schemeClr val="tx1"/>
+                </a:solidFill>
+                <a:effectLst/>
+                <a:latin typeface="+mj-lt"/>
+                <a:ea typeface="+mj-ea"/>
+                <a:cs typeface="+mj-cs"/>
+              </a:defRPr>
+            </a:lvl1pPr>
+          </a:lstStyle>
+          <a:p>
+            <a:pPr algn="l"/>
+            <a:r>
+              <a:rPr lang="en-US" sz="3000" u="sng" dirty="0">
+                <a:latin typeface="Segoe UI" panose="020B0502040204020203" pitchFamily="34" charset="0"/>
+                <a:cs typeface="Segoe UI" panose="020B0502040204020203" pitchFamily="34" charset="0"/>
+              </a:rPr>
+              <a:t>I</a:t>
+            </a:r>
+            <a:r>
+              <a:rPr lang="vi-VN" sz="3000" u="sng" dirty="0">
+                <a:latin typeface="Segoe UI" panose="020B0502040204020203" pitchFamily="34" charset="0"/>
+                <a:cs typeface="Segoe UI" panose="020B0502040204020203" pitchFamily="34" charset="0"/>
+              </a:rPr>
+              <a:t>I</a:t>
+            </a:r>
+            <a:r>
+              <a:rPr lang="en-US" sz="3000" u="sng" dirty="0">
+                <a:latin typeface="Segoe UI" panose="020B0502040204020203" pitchFamily="34" charset="0"/>
+                <a:cs typeface="Segoe UI" panose="020B0502040204020203" pitchFamily="34" charset="0"/>
+              </a:rPr>
+              <a:t>.</a:t>
+            </a:r>
+            <a:r>
+              <a:rPr lang="vi-VN" sz="3000" u="sng" dirty="0">
+                <a:latin typeface="Segoe UI" panose="020B0502040204020203" pitchFamily="34" charset="0"/>
+                <a:cs typeface="Segoe UI" panose="020B0502040204020203" pitchFamily="34" charset="0"/>
+              </a:rPr>
+              <a:t>2</a:t>
+            </a:r>
+            <a:r>
+              <a:rPr lang="en-US" sz="3000" u="sng" dirty="0">
+                <a:latin typeface="Segoe UI" panose="020B0502040204020203" pitchFamily="34" charset="0"/>
+                <a:cs typeface="Segoe UI" panose="020B0502040204020203" pitchFamily="34" charset="0"/>
+              </a:rPr>
+              <a:t>. </a:t>
+            </a:r>
+            <a:r>
+              <a:rPr lang="vi-VN" sz="3000" u="sng" dirty="0">
+                <a:latin typeface="Segoe UI" panose="020B0502040204020203" pitchFamily="34" charset="0"/>
+                <a:cs typeface="Segoe UI" panose="020B0502040204020203" pitchFamily="34" charset="0"/>
+              </a:rPr>
+              <a:t>XÁC ĐỊNH ĐỘ PHỨC TẠP CYCLOMATIC</a:t>
+            </a:r>
+            <a:endParaRPr lang="en-US" sz="3000" u="sng" dirty="0">
+              <a:latin typeface="Segoe UI" panose="020B0502040204020203" pitchFamily="34" charset="0"/>
+              <a:cs typeface="Segoe UI" panose="020B0502040204020203" pitchFamily="34" charset="0"/>
+            </a:endParaRPr>
+          </a:p>
+        </p:txBody>
+      </p:sp>
+    </p:spTree>
+    <p:extLst>
+      <p:ext uri="{BB962C8B-B14F-4D97-AF65-F5344CB8AC3E}">
+        <p14:creationId xmlns:p14="http://schemas.microsoft.com/office/powerpoint/2010/main" val="3975618083"/>
+      </p:ext>
+    </p:extLst>
+  </p:cSld>
+  <p:clrMapOvr>
+    <a:masterClrMapping/>
+  </p:clrMapOvr>
+</p:sld>
+</file>
+
+<file path=ppt/slides/slide9.xml><?xml version="1.0" encoding="utf-8"?>
+<p:sld xmlns:a="http://schemas.openxmlformats.org/drawingml/2006/main" xmlns:r="http://schemas.openxmlformats.org/officeDocument/2006/relationships" xmlns:p="http://schemas.openxmlformats.org/presentationml/2006/main">
+  <p:cSld>
+    <p:spTree>
+      <p:nvGrpSpPr>
+        <p:cNvPr id="1" name=""/>
+        <p:cNvGrpSpPr/>
+        <p:nvPr/>
+      </p:nvGrpSpPr>
+      <p:grpSpPr>
+        <a:xfrm>
+          <a:off x="0" y="0"/>
+          <a:ext cx="0" cy="0"/>
+          <a:chOff x="0" y="0"/>
+          <a:chExt cx="0" cy="0"/>
+        </a:xfrm>
+      </p:grpSpPr>
+      <p:sp>
+        <p:nvSpPr>
+          <p:cNvPr id="4" name="Tiêu đề 3">
+            <a:extLst>
+              <a:ext uri="{FF2B5EF4-FFF2-40B4-BE49-F238E27FC236}">
+                <a16:creationId xmlns:a16="http://schemas.microsoft.com/office/drawing/2014/main" id="{9349F6A1-C8F1-4EBD-9BA0-6E8B27592A29}"/>
+              </a:ext>
+            </a:extLst>
+          </p:cNvPr>
+          <p:cNvSpPr>
+            <a:spLocks noGrp="1"/>
+          </p:cNvSpPr>
+          <p:nvPr>
+            <p:ph type="title"/>
+          </p:nvPr>
+        </p:nvSpPr>
+        <p:spPr>
+          <a:xfrm>
+            <a:off x="913775" y="618519"/>
+            <a:ext cx="7963525" cy="429043"/>
+          </a:xfrm>
+        </p:spPr>
+        <p:txBody>
+          <a:bodyPr>
+            <a:noAutofit/>
+          </a:bodyPr>
+          <a:lstStyle/>
+          <a:p>
+            <a:pPr algn="l"/>
+            <a:r>
+              <a:rPr lang="en-US" dirty="0">
+                <a:latin typeface="Calibri" panose="020F0502020204030204" pitchFamily="34" charset="0"/>
+                <a:cs typeface="Calibri" panose="020F0502020204030204" pitchFamily="34" charset="0"/>
+              </a:rPr>
+              <a:t>PH</a:t>
+            </a:r>
+            <a:r>
+              <a:rPr lang="vi-VN" dirty="0">
+                <a:latin typeface="Calibri" panose="020F0502020204030204" pitchFamily="34" charset="0"/>
+                <a:cs typeface="Calibri" panose="020F0502020204030204" pitchFamily="34" charset="0"/>
+              </a:rPr>
+              <a:t>Ư</a:t>
+            </a:r>
+            <a:r>
+              <a:rPr lang="en-US" dirty="0">
+                <a:latin typeface="Calibri" panose="020F0502020204030204" pitchFamily="34" charset="0"/>
+                <a:cs typeface="Calibri" panose="020F0502020204030204" pitchFamily="34" charset="0"/>
+              </a:rPr>
+              <a:t>ƠNG PHÁP Đ</a:t>
+            </a:r>
+            <a:r>
+              <a:rPr lang="vi-VN" dirty="0">
+                <a:latin typeface="Calibri" panose="020F0502020204030204" pitchFamily="34" charset="0"/>
+                <a:cs typeface="Calibri" panose="020F0502020204030204" pitchFamily="34" charset="0"/>
+              </a:rPr>
+              <a:t>Ư</a:t>
+            </a:r>
+            <a:r>
+              <a:rPr lang="en-US" dirty="0">
+                <a:latin typeface="Calibri" panose="020F0502020204030204" pitchFamily="34" charset="0"/>
+                <a:cs typeface="Calibri" panose="020F0502020204030204" pitchFamily="34" charset="0"/>
+              </a:rPr>
+              <a:t>ỜNG DẪN C</a:t>
+            </a:r>
+            <a:r>
+              <a:rPr lang="vi-VN" dirty="0">
+                <a:latin typeface="Calibri" panose="020F0502020204030204" pitchFamily="34" charset="0"/>
+                <a:cs typeface="Calibri" panose="020F0502020204030204" pitchFamily="34" charset="0"/>
+              </a:rPr>
+              <a:t>Ơ</a:t>
+            </a:r>
+            <a:r>
+              <a:rPr lang="en-US" dirty="0">
+                <a:latin typeface="Calibri" panose="020F0502020204030204" pitchFamily="34" charset="0"/>
+                <a:cs typeface="Calibri" panose="020F0502020204030204" pitchFamily="34" charset="0"/>
+              </a:rPr>
+              <a:t> SỞ</a:t>
+            </a:r>
+            <a:endParaRPr lang="en-US" dirty="0"/>
+          </a:p>
+        </p:txBody>
+      </p:sp>
+      <p:sp>
+        <p:nvSpPr>
+          <p:cNvPr id="5" name="Chỗ dành sẵn cho Nội dung 4">
+            <a:extLst>
+              <a:ext uri="{FF2B5EF4-FFF2-40B4-BE49-F238E27FC236}">
+                <a16:creationId xmlns:a16="http://schemas.microsoft.com/office/drawing/2014/main" id="{44C270DD-8AA0-4590-9349-0A7FF2242FCA}"/>
+              </a:ext>
+            </a:extLst>
+          </p:cNvPr>
+          <p:cNvSpPr>
+            <a:spLocks noGrp="1"/>
+          </p:cNvSpPr>
+          <p:nvPr>
+            <p:ph sz="quarter" idx="13"/>
+          </p:nvPr>
+        </p:nvSpPr>
+        <p:spPr>
+          <a:xfrm>
+            <a:off x="913774" y="2232890"/>
+            <a:ext cx="10268576" cy="4458855"/>
+          </a:xfrm>
+        </p:spPr>
+        <p:txBody>
+          <a:bodyPr>
+            <a:noAutofit/>
+          </a:bodyPr>
+          <a:lstStyle/>
+          <a:p>
+            <a:pPr marL="0" indent="0">
+              <a:buNone/>
+            </a:pPr>
+            <a:r>
+              <a:rPr lang="vi-VN" sz="3000" cap="none" dirty="0">
+                <a:latin typeface="Times New Roman" panose="02020603050405020304" pitchFamily="18" charset="0"/>
+                <a:cs typeface="Times New Roman" panose="02020603050405020304" pitchFamily="18" charset="0"/>
+              </a:rPr>
+              <a:t> Trong </a:t>
+            </a:r>
+            <a:r>
+              <a:rPr lang="vi-VN" sz="3000" cap="none" dirty="0" err="1">
+                <a:latin typeface="Times New Roman" panose="02020603050405020304" pitchFamily="18" charset="0"/>
+                <a:cs typeface="Times New Roman" panose="02020603050405020304" pitchFamily="18" charset="0"/>
+              </a:rPr>
+              <a:t>đó</a:t>
+            </a:r>
+            <a:r>
+              <a:rPr lang="vi-VN" sz="3000" cap="none" dirty="0">
+                <a:latin typeface="Times New Roman" panose="02020603050405020304" pitchFamily="18" charset="0"/>
+                <a:cs typeface="Times New Roman" panose="02020603050405020304" pitchFamily="18" charset="0"/>
+              </a:rPr>
+              <a:t>:</a:t>
+            </a:r>
+          </a:p>
+          <a:p>
+            <a:pPr>
+              <a:buFont typeface="Wingdings" panose="05000000000000000000" pitchFamily="2" charset="2"/>
+              <a:buChar char="ü"/>
+            </a:pPr>
+            <a:r>
+              <a:rPr lang="vi-VN" sz="3000" cap="none" dirty="0">
+                <a:latin typeface="Times New Roman" panose="02020603050405020304" pitchFamily="18" charset="0"/>
+                <a:cs typeface="Times New Roman" panose="02020603050405020304" pitchFamily="18" charset="0"/>
+              </a:rPr>
+              <a:t>  </a:t>
+            </a:r>
+            <a:r>
+              <a:rPr lang="vi-VN" sz="3000" b="1" cap="none" dirty="0">
+                <a:latin typeface="Times New Roman" panose="02020603050405020304" pitchFamily="18" charset="0"/>
+                <a:cs typeface="Times New Roman" panose="02020603050405020304" pitchFamily="18" charset="0"/>
+              </a:rPr>
+              <a:t>E</a:t>
+            </a:r>
+            <a:r>
+              <a:rPr lang="vi-VN" sz="3000" cap="none" dirty="0">
+                <a:latin typeface="Times New Roman" panose="02020603050405020304" pitchFamily="18" charset="0"/>
+                <a:cs typeface="Times New Roman" panose="02020603050405020304" pitchFamily="18" charset="0"/>
+              </a:rPr>
+              <a:t> : </a:t>
+            </a:r>
+            <a:r>
+              <a:rPr lang="vi-VN" sz="3000" cap="none" dirty="0" err="1">
+                <a:latin typeface="Times New Roman" panose="02020603050405020304" pitchFamily="18" charset="0"/>
+                <a:cs typeface="Times New Roman" panose="02020603050405020304" pitchFamily="18" charset="0"/>
+              </a:rPr>
+              <a:t>là</a:t>
+            </a:r>
+            <a:r>
+              <a:rPr lang="vi-VN" sz="3000" cap="none" dirty="0">
+                <a:latin typeface="Times New Roman" panose="02020603050405020304" pitchFamily="18" charset="0"/>
+                <a:cs typeface="Times New Roman" panose="02020603050405020304" pitchFamily="18" charset="0"/>
+              </a:rPr>
+              <a:t> </a:t>
+            </a:r>
+            <a:r>
+              <a:rPr lang="vi-VN" sz="3000" cap="none" dirty="0" err="1">
+                <a:latin typeface="Times New Roman" panose="02020603050405020304" pitchFamily="18" charset="0"/>
+                <a:cs typeface="Times New Roman" panose="02020603050405020304" pitchFamily="18" charset="0"/>
+              </a:rPr>
+              <a:t>số</a:t>
+            </a:r>
+            <a:r>
+              <a:rPr lang="vi-VN" sz="3000" cap="none" dirty="0">
+                <a:latin typeface="Times New Roman" panose="02020603050405020304" pitchFamily="18" charset="0"/>
+                <a:cs typeface="Times New Roman" panose="02020603050405020304" pitchFamily="18" charset="0"/>
+              </a:rPr>
+              <a:t> cung </a:t>
+            </a:r>
+            <a:r>
+              <a:rPr lang="vi-VN" sz="3000" cap="none" dirty="0" err="1">
+                <a:latin typeface="Times New Roman" panose="02020603050405020304" pitchFamily="18" charset="0"/>
+                <a:cs typeface="Times New Roman" panose="02020603050405020304" pitchFamily="18" charset="0"/>
+              </a:rPr>
+              <a:t>của</a:t>
+            </a:r>
+            <a:r>
+              <a:rPr lang="vi-VN" sz="3000" cap="none" dirty="0">
+                <a:latin typeface="Times New Roman" panose="02020603050405020304" pitchFamily="18" charset="0"/>
+                <a:cs typeface="Times New Roman" panose="02020603050405020304" pitchFamily="18" charset="0"/>
+              </a:rPr>
+              <a:t> </a:t>
+            </a:r>
+            <a:r>
+              <a:rPr lang="vi-VN" sz="3000" cap="none" dirty="0" err="1">
+                <a:latin typeface="Times New Roman" panose="02020603050405020304" pitchFamily="18" charset="0"/>
+                <a:cs typeface="Times New Roman" panose="02020603050405020304" pitchFamily="18" charset="0"/>
+              </a:rPr>
+              <a:t>đồ</a:t>
+            </a:r>
+            <a:r>
+              <a:rPr lang="vi-VN" sz="3000" cap="none" dirty="0">
+                <a:latin typeface="Times New Roman" panose="02020603050405020304" pitchFamily="18" charset="0"/>
+                <a:cs typeface="Times New Roman" panose="02020603050405020304" pitchFamily="18" charset="0"/>
+              </a:rPr>
+              <a:t> </a:t>
+            </a:r>
+            <a:r>
+              <a:rPr lang="vi-VN" sz="3000" cap="none" dirty="0" err="1">
+                <a:latin typeface="Times New Roman" panose="02020603050405020304" pitchFamily="18" charset="0"/>
+                <a:cs typeface="Times New Roman" panose="02020603050405020304" pitchFamily="18" charset="0"/>
+              </a:rPr>
+              <a:t>thị</a:t>
+            </a:r>
+            <a:endParaRPr lang="vi-VN" sz="3000" cap="none" dirty="0">
+              <a:latin typeface="Times New Roman" panose="02020603050405020304" pitchFamily="18" charset="0"/>
+              <a:cs typeface="Times New Roman" panose="02020603050405020304" pitchFamily="18" charset="0"/>
+            </a:endParaRPr>
+          </a:p>
+          <a:p>
+            <a:pPr>
+              <a:buFont typeface="Wingdings" panose="05000000000000000000" pitchFamily="2" charset="2"/>
+              <a:buChar char="ü"/>
+            </a:pPr>
+            <a:r>
+              <a:rPr lang="vi-VN" sz="3000" cap="none" dirty="0">
+                <a:latin typeface="Times New Roman" panose="02020603050405020304" pitchFamily="18" charset="0"/>
+                <a:cs typeface="Times New Roman" panose="02020603050405020304" pitchFamily="18" charset="0"/>
+              </a:rPr>
+              <a:t> </a:t>
+            </a:r>
+            <a:r>
+              <a:rPr lang="vi-VN" sz="3000" b="1" cap="none" dirty="0">
+                <a:latin typeface="Times New Roman" panose="02020603050405020304" pitchFamily="18" charset="0"/>
+                <a:cs typeface="Times New Roman" panose="02020603050405020304" pitchFamily="18" charset="0"/>
+              </a:rPr>
+              <a:t>N</a:t>
+            </a:r>
+            <a:r>
+              <a:rPr lang="vi-VN" sz="3000" cap="none" dirty="0">
+                <a:latin typeface="Times New Roman" panose="02020603050405020304" pitchFamily="18" charset="0"/>
+                <a:cs typeface="Times New Roman" panose="02020603050405020304" pitchFamily="18" charset="0"/>
+              </a:rPr>
+              <a:t> :  </a:t>
+            </a:r>
+            <a:r>
+              <a:rPr lang="vi-VN" sz="3000" cap="none" dirty="0" err="1">
+                <a:latin typeface="Times New Roman" panose="02020603050405020304" pitchFamily="18" charset="0"/>
+                <a:cs typeface="Times New Roman" panose="02020603050405020304" pitchFamily="18" charset="0"/>
+              </a:rPr>
+              <a:t>là</a:t>
+            </a:r>
+            <a:r>
+              <a:rPr lang="vi-VN" sz="3000" cap="none" dirty="0">
+                <a:latin typeface="Times New Roman" panose="02020603050405020304" pitchFamily="18" charset="0"/>
+                <a:cs typeface="Times New Roman" panose="02020603050405020304" pitchFamily="18" charset="0"/>
+              </a:rPr>
+              <a:t> </a:t>
+            </a:r>
+            <a:r>
+              <a:rPr lang="vi-VN" sz="3000" cap="none" dirty="0" err="1">
+                <a:latin typeface="Times New Roman" panose="02020603050405020304" pitchFamily="18" charset="0"/>
+                <a:cs typeface="Times New Roman" panose="02020603050405020304" pitchFamily="18" charset="0"/>
+              </a:rPr>
+              <a:t>số</a:t>
+            </a:r>
+            <a:r>
+              <a:rPr lang="vi-VN" sz="3000" cap="none" dirty="0">
+                <a:latin typeface="Times New Roman" panose="02020603050405020304" pitchFamily="18" charset="0"/>
+                <a:cs typeface="Times New Roman" panose="02020603050405020304" pitchFamily="18" charset="0"/>
+              </a:rPr>
+              <a:t> </a:t>
+            </a:r>
+            <a:r>
+              <a:rPr lang="vi-VN" sz="3000" cap="none" dirty="0" err="1">
+                <a:latin typeface="Times New Roman" panose="02020603050405020304" pitchFamily="18" charset="0"/>
+                <a:cs typeface="Times New Roman" panose="02020603050405020304" pitchFamily="18" charset="0"/>
+              </a:rPr>
+              <a:t>nút</a:t>
+            </a:r>
+            <a:r>
+              <a:rPr lang="vi-VN" sz="3000" cap="none" dirty="0">
+                <a:latin typeface="Times New Roman" panose="02020603050405020304" pitchFamily="18" charset="0"/>
+                <a:cs typeface="Times New Roman" panose="02020603050405020304" pitchFamily="18" charset="0"/>
+              </a:rPr>
+              <a:t> </a:t>
+            </a:r>
+            <a:r>
+              <a:rPr lang="vi-VN" sz="3000" cap="none" dirty="0" err="1">
+                <a:latin typeface="Times New Roman" panose="02020603050405020304" pitchFamily="18" charset="0"/>
+                <a:cs typeface="Times New Roman" panose="02020603050405020304" pitchFamily="18" charset="0"/>
+              </a:rPr>
+              <a:t>của</a:t>
+            </a:r>
+            <a:r>
+              <a:rPr lang="vi-VN" sz="3000" cap="none" dirty="0">
+                <a:latin typeface="Times New Roman" panose="02020603050405020304" pitchFamily="18" charset="0"/>
+                <a:cs typeface="Times New Roman" panose="02020603050405020304" pitchFamily="18" charset="0"/>
+              </a:rPr>
+              <a:t> </a:t>
+            </a:r>
+            <a:r>
+              <a:rPr lang="vi-VN" sz="3000" cap="none" dirty="0" err="1">
+                <a:latin typeface="Times New Roman" panose="02020603050405020304" pitchFamily="18" charset="0"/>
+                <a:cs typeface="Times New Roman" panose="02020603050405020304" pitchFamily="18" charset="0"/>
+              </a:rPr>
+              <a:t>đồ</a:t>
+            </a:r>
+            <a:r>
+              <a:rPr lang="vi-VN" sz="3000" cap="none" dirty="0">
+                <a:latin typeface="Times New Roman" panose="02020603050405020304" pitchFamily="18" charset="0"/>
+                <a:cs typeface="Times New Roman" panose="02020603050405020304" pitchFamily="18" charset="0"/>
+              </a:rPr>
+              <a:t> </a:t>
+            </a:r>
+            <a:r>
+              <a:rPr lang="vi-VN" sz="3000" cap="none" dirty="0" err="1">
+                <a:latin typeface="Times New Roman" panose="02020603050405020304" pitchFamily="18" charset="0"/>
+                <a:cs typeface="Times New Roman" panose="02020603050405020304" pitchFamily="18" charset="0"/>
+              </a:rPr>
+              <a:t>thị</a:t>
+            </a:r>
+            <a:endParaRPr lang="vi-VN" sz="3000" cap="none" dirty="0">
+              <a:latin typeface="Times New Roman" panose="02020603050405020304" pitchFamily="18" charset="0"/>
+              <a:cs typeface="Times New Roman" panose="02020603050405020304" pitchFamily="18" charset="0"/>
+            </a:endParaRPr>
+          </a:p>
+          <a:p>
+            <a:pPr>
+              <a:buFont typeface="Wingdings" panose="05000000000000000000" pitchFamily="2" charset="2"/>
+              <a:buChar char="ü"/>
+            </a:pPr>
+            <a:r>
+              <a:rPr lang="vi-VN" sz="3000" cap="none" dirty="0">
+                <a:latin typeface="Times New Roman" panose="02020603050405020304" pitchFamily="18" charset="0"/>
+                <a:cs typeface="Times New Roman" panose="02020603050405020304" pitchFamily="18" charset="0"/>
+              </a:rPr>
+              <a:t>  </a:t>
+            </a:r>
+            <a:r>
+              <a:rPr lang="vi-VN" sz="3000" b="1" cap="none" dirty="0">
+                <a:latin typeface="Times New Roman" panose="02020603050405020304" pitchFamily="18" charset="0"/>
+                <a:cs typeface="Times New Roman" panose="02020603050405020304" pitchFamily="18" charset="0"/>
+              </a:rPr>
+              <a:t>P </a:t>
+            </a:r>
+            <a:r>
+              <a:rPr lang="vi-VN" sz="3000" cap="none" dirty="0">
+                <a:latin typeface="Times New Roman" panose="02020603050405020304" pitchFamily="18" charset="0"/>
+                <a:cs typeface="Times New Roman" panose="02020603050405020304" pitchFamily="18" charset="0"/>
+              </a:rPr>
+              <a:t>: </a:t>
+            </a:r>
+            <a:r>
+              <a:rPr lang="vi-VN" sz="3000" cap="none" dirty="0" err="1">
+                <a:latin typeface="Times New Roman" panose="02020603050405020304" pitchFamily="18" charset="0"/>
+                <a:cs typeface="Times New Roman" panose="02020603050405020304" pitchFamily="18" charset="0"/>
+              </a:rPr>
+              <a:t>là</a:t>
+            </a:r>
+            <a:r>
+              <a:rPr lang="vi-VN" sz="3000" cap="none" dirty="0">
+                <a:latin typeface="Times New Roman" panose="02020603050405020304" pitchFamily="18" charset="0"/>
+                <a:cs typeface="Times New Roman" panose="02020603050405020304" pitchFamily="18" charset="0"/>
+              </a:rPr>
+              <a:t> </a:t>
+            </a:r>
+            <a:r>
+              <a:rPr lang="vi-VN" sz="3000" cap="none" dirty="0" err="1">
+                <a:latin typeface="Times New Roman" panose="02020603050405020304" pitchFamily="18" charset="0"/>
+                <a:cs typeface="Times New Roman" panose="02020603050405020304" pitchFamily="18" charset="0"/>
+              </a:rPr>
+              <a:t>số</a:t>
+            </a:r>
+            <a:r>
+              <a:rPr lang="vi-VN" sz="3000" cap="none" dirty="0">
+                <a:latin typeface="Times New Roman" panose="02020603050405020304" pitchFamily="18" charset="0"/>
+                <a:cs typeface="Times New Roman" panose="02020603050405020304" pitchFamily="18" charset="0"/>
+              </a:rPr>
+              <a:t> </a:t>
+            </a:r>
+            <a:r>
+              <a:rPr lang="vi-VN" sz="3000" cap="none" dirty="0" err="1">
+                <a:latin typeface="Times New Roman" panose="02020603050405020304" pitchFamily="18" charset="0"/>
+                <a:cs typeface="Times New Roman" panose="02020603050405020304" pitchFamily="18" charset="0"/>
+              </a:rPr>
+              <a:t>nút</a:t>
+            </a:r>
+            <a:r>
+              <a:rPr lang="vi-VN" sz="3000" cap="none" dirty="0">
+                <a:latin typeface="Times New Roman" panose="02020603050405020304" pitchFamily="18" charset="0"/>
+                <a:cs typeface="Times New Roman" panose="02020603050405020304" pitchFamily="18" charset="0"/>
+              </a:rPr>
+              <a:t> </a:t>
+            </a:r>
+            <a:r>
+              <a:rPr lang="vi-VN" sz="3000" cap="none" dirty="0" err="1">
+                <a:latin typeface="Times New Roman" panose="02020603050405020304" pitchFamily="18" charset="0"/>
+                <a:cs typeface="Times New Roman" panose="02020603050405020304" pitchFamily="18" charset="0"/>
+              </a:rPr>
+              <a:t>vị</a:t>
+            </a:r>
+            <a:r>
+              <a:rPr lang="vi-VN" sz="3000" cap="none" dirty="0">
+                <a:latin typeface="Times New Roman" panose="02020603050405020304" pitchFamily="18" charset="0"/>
+                <a:cs typeface="Times New Roman" panose="02020603050405020304" pitchFamily="18" charset="0"/>
+              </a:rPr>
+              <a:t> </a:t>
+            </a:r>
+            <a:r>
+              <a:rPr lang="vi-VN" sz="3000" cap="none" dirty="0" err="1">
+                <a:latin typeface="Times New Roman" panose="02020603050405020304" pitchFamily="18" charset="0"/>
+                <a:cs typeface="Times New Roman" panose="02020603050405020304" pitchFamily="18" charset="0"/>
+              </a:rPr>
+              <a:t>từ</a:t>
+            </a:r>
+            <a:r>
+              <a:rPr lang="vi-VN" sz="3000" cap="none" dirty="0">
+                <a:latin typeface="Times New Roman" panose="02020603050405020304" pitchFamily="18" charset="0"/>
+                <a:cs typeface="Times New Roman" panose="02020603050405020304" pitchFamily="18" charset="0"/>
+              </a:rPr>
+              <a:t> </a:t>
+            </a:r>
+            <a:r>
+              <a:rPr lang="vi-VN" sz="3000" cap="none" dirty="0" err="1">
+                <a:latin typeface="Times New Roman" panose="02020603050405020304" pitchFamily="18" charset="0"/>
+                <a:cs typeface="Times New Roman" panose="02020603050405020304" pitchFamily="18" charset="0"/>
+              </a:rPr>
+              <a:t>của</a:t>
+            </a:r>
+            <a:r>
+              <a:rPr lang="vi-VN" sz="3000" cap="none" dirty="0">
+                <a:latin typeface="Times New Roman" panose="02020603050405020304" pitchFamily="18" charset="0"/>
+                <a:cs typeface="Times New Roman" panose="02020603050405020304" pitchFamily="18" charset="0"/>
+              </a:rPr>
+              <a:t> </a:t>
+            </a:r>
+            <a:r>
+              <a:rPr lang="vi-VN" sz="3000" cap="none" dirty="0" err="1">
+                <a:latin typeface="Times New Roman" panose="02020603050405020304" pitchFamily="18" charset="0"/>
+                <a:cs typeface="Times New Roman" panose="02020603050405020304" pitchFamily="18" charset="0"/>
+              </a:rPr>
+              <a:t>đồ</a:t>
+            </a:r>
+            <a:r>
+              <a:rPr lang="vi-VN" sz="3000" cap="none" dirty="0">
+                <a:latin typeface="Times New Roman" panose="02020603050405020304" pitchFamily="18" charset="0"/>
+                <a:cs typeface="Times New Roman" panose="02020603050405020304" pitchFamily="18" charset="0"/>
+              </a:rPr>
+              <a:t> </a:t>
+            </a:r>
+            <a:r>
+              <a:rPr lang="vi-VN" sz="3000" cap="none" dirty="0" err="1">
+                <a:latin typeface="Times New Roman" panose="02020603050405020304" pitchFamily="18" charset="0"/>
+                <a:cs typeface="Times New Roman" panose="02020603050405020304" pitchFamily="18" charset="0"/>
+              </a:rPr>
+              <a:t>thị</a:t>
+            </a:r>
+            <a:endParaRPr lang="en-US" sz="3000" b="1" cap="none" dirty="0">
+              <a:latin typeface="Times New Roman" panose="02020603050405020304" pitchFamily="18" charset="0"/>
+              <a:cs typeface="Times New Roman" panose="02020603050405020304" pitchFamily="18" charset="0"/>
+            </a:endParaRPr>
+          </a:p>
+        </p:txBody>
+      </p:sp>
+      <p:sp>
+        <p:nvSpPr>
+          <p:cNvPr id="6" name="Tiêu đề 3">
+            <a:extLst>
+              <a:ext uri="{FF2B5EF4-FFF2-40B4-BE49-F238E27FC236}">
+                <a16:creationId xmlns:a16="http://schemas.microsoft.com/office/drawing/2014/main" id="{27B11300-8A9D-437D-819C-FBA05B02F134}"/>
+              </a:ext>
+            </a:extLst>
+          </p:cNvPr>
+          <p:cNvSpPr txBox="1">
+            <a:spLocks/>
+          </p:cNvSpPr>
+          <p:nvPr/>
+        </p:nvSpPr>
+        <p:spPr>
+          <a:xfrm>
+            <a:off x="913774" y="1615926"/>
+            <a:ext cx="8535026" cy="420669"/>
+          </a:xfrm>
+          <a:prstGeom prst="rect">
+            <a:avLst/>
+          </a:prstGeom>
+        </p:spPr>
+        <p:txBody>
+          <a:bodyPr vert="horz" lIns="91440" tIns="45720" rIns="91440" bIns="45720" rtlCol="0" anchor="ctr">
+            <a:noAutofit/>
+          </a:bodyPr>
+          <a:lstStyle>
+            <a:lvl1pPr algn="ctr" defTabSz="914400" rtl="0" eaLnBrk="1" latinLnBrk="0" hangingPunct="1">
+              <a:lnSpc>
+                <a:spcPct val="90000"/>
+              </a:lnSpc>
+              <a:spcBef>
+                <a:spcPct val="0"/>
+              </a:spcBef>
+              <a:buNone/>
+              <a:defRPr sz="3600" kern="1200" cap="all" baseline="0">
+                <a:solidFill>
+                  <a:schemeClr val="tx1"/>
+                </a:solidFill>
+                <a:effectLst/>
+                <a:latin typeface="+mj-lt"/>
+                <a:ea typeface="+mj-ea"/>
+                <a:cs typeface="+mj-cs"/>
+              </a:defRPr>
+            </a:lvl1pPr>
+          </a:lstStyle>
+          <a:p>
+            <a:pPr algn="l"/>
+            <a:r>
+              <a:rPr lang="en-US" sz="3000" u="sng" dirty="0">
+                <a:latin typeface="Segoe UI" panose="020B0502040204020203" pitchFamily="34" charset="0"/>
+                <a:cs typeface="Segoe UI" panose="020B0502040204020203" pitchFamily="34" charset="0"/>
+              </a:rPr>
+              <a:t>I</a:t>
+            </a:r>
+            <a:r>
+              <a:rPr lang="vi-VN" sz="3000" u="sng" dirty="0">
+                <a:latin typeface="Segoe UI" panose="020B0502040204020203" pitchFamily="34" charset="0"/>
+                <a:cs typeface="Segoe UI" panose="020B0502040204020203" pitchFamily="34" charset="0"/>
+              </a:rPr>
+              <a:t>I</a:t>
+            </a:r>
+            <a:r>
+              <a:rPr lang="en-US" sz="3000" u="sng" dirty="0">
+                <a:latin typeface="Segoe UI" panose="020B0502040204020203" pitchFamily="34" charset="0"/>
+                <a:cs typeface="Segoe UI" panose="020B0502040204020203" pitchFamily="34" charset="0"/>
+              </a:rPr>
+              <a:t>.</a:t>
+            </a:r>
+            <a:r>
+              <a:rPr lang="vi-VN" sz="3000" u="sng" dirty="0">
+                <a:latin typeface="Segoe UI" panose="020B0502040204020203" pitchFamily="34" charset="0"/>
+                <a:cs typeface="Segoe UI" panose="020B0502040204020203" pitchFamily="34" charset="0"/>
+              </a:rPr>
+              <a:t>2</a:t>
+            </a:r>
+            <a:r>
+              <a:rPr lang="en-US" sz="3000" u="sng" dirty="0">
+                <a:latin typeface="Segoe UI" panose="020B0502040204020203" pitchFamily="34" charset="0"/>
+                <a:cs typeface="Segoe UI" panose="020B0502040204020203" pitchFamily="34" charset="0"/>
+              </a:rPr>
+              <a:t>. </a:t>
+            </a:r>
+            <a:r>
+              <a:rPr lang="vi-VN" sz="3000" u="sng" dirty="0">
+                <a:latin typeface="Segoe UI" panose="020B0502040204020203" pitchFamily="34" charset="0"/>
+                <a:cs typeface="Segoe UI" panose="020B0502040204020203" pitchFamily="34" charset="0"/>
+              </a:rPr>
+              <a:t>XÁC ĐỊNH ĐỘ PHỨC TẠP CYCLOMATIC</a:t>
+            </a:r>
+            <a:endParaRPr lang="en-US" sz="3000" u="sng" dirty="0">
+              <a:latin typeface="Segoe UI" panose="020B0502040204020203" pitchFamily="34" charset="0"/>
+              <a:cs typeface="Segoe UI" panose="020B0502040204020203" pitchFamily="34" charset="0"/>
+            </a:endParaRPr>
+          </a:p>
+        </p:txBody>
+      </p:sp>
+    </p:spTree>
+    <p:extLst>
+      <p:ext uri="{BB962C8B-B14F-4D97-AF65-F5344CB8AC3E}">
+        <p14:creationId xmlns:p14="http://schemas.microsoft.com/office/powerpoint/2010/main" val="1003698095"/>
       </p:ext>
     </p:extLst>
   </p:cSld>
